--- a/Lecture/Lecture 1/Lecture 1.pptx
+++ b/Lecture/Lecture 1/Lecture 1.pptx
@@ -283,7 +283,7 @@
               <a:pPr>
                 <a:defRPr/>
               </a:pPr>
-              <a:t>8/18/2018</a:t>
+              <a:t>11/1/2018</a:t>
             </a:fld>
             <a:endParaRPr lang="en-US" dirty="0"/>
           </a:p>
@@ -495,7 +495,7 @@
               <a:pPr>
                 <a:defRPr/>
               </a:pPr>
-              <a:t>8/18/2018</a:t>
+              <a:t>11/1/2018</a:t>
             </a:fld>
             <a:endParaRPr lang="en-US" dirty="0"/>
           </a:p>
@@ -1014,7 +1014,7 @@
               <a:pPr>
                 <a:defRPr/>
               </a:pPr>
-              <a:t>8/18/2018</a:t>
+              <a:t>11/1/2018</a:t>
             </a:fld>
             <a:endParaRPr lang="en-US" dirty="0"/>
           </a:p>
@@ -1204,7 +1204,7 @@
               <a:pPr>
                 <a:defRPr/>
               </a:pPr>
-              <a:t>8/18/2018</a:t>
+              <a:t>11/1/2018</a:t>
             </a:fld>
             <a:endParaRPr lang="en-US" dirty="0"/>
           </a:p>
@@ -1404,7 +1404,7 @@
               <a:pPr>
                 <a:defRPr/>
               </a:pPr>
-              <a:t>8/18/2018</a:t>
+              <a:t>11/1/2018</a:t>
             </a:fld>
             <a:endParaRPr lang="en-US" dirty="0"/>
           </a:p>
@@ -1672,7 +1672,7 @@
               <a:pPr>
                 <a:defRPr/>
               </a:pPr>
-              <a:t>8/18/2018</a:t>
+              <a:t>11/1/2018</a:t>
             </a:fld>
             <a:endParaRPr lang="en-US" dirty="0">
               <a:solidFill>
@@ -1886,7 +1886,7 @@
               <a:pPr>
                 <a:defRPr/>
               </a:pPr>
-              <a:t>8/18/2018</a:t>
+              <a:t>11/1/2018</a:t>
             </a:fld>
             <a:endParaRPr lang="en-US" dirty="0">
               <a:solidFill>
@@ -2177,7 +2177,7 @@
               <a:pPr>
                 <a:defRPr/>
               </a:pPr>
-              <a:t>8/18/2018</a:t>
+              <a:t>11/1/2018</a:t>
             </a:fld>
             <a:endParaRPr lang="en-US" dirty="0">
               <a:solidFill>
@@ -2508,7 +2508,7 @@
               <a:pPr>
                 <a:defRPr/>
               </a:pPr>
-              <a:t>8/18/2018</a:t>
+              <a:t>11/1/2018</a:t>
             </a:fld>
             <a:endParaRPr lang="en-US" dirty="0">
               <a:solidFill>
@@ -2973,7 +2973,7 @@
               <a:pPr>
                 <a:defRPr/>
               </a:pPr>
-              <a:t>8/18/2018</a:t>
+              <a:t>11/1/2018</a:t>
             </a:fld>
             <a:endParaRPr lang="en-US" dirty="0">
               <a:solidFill>
@@ -3136,7 +3136,7 @@
               <a:pPr>
                 <a:defRPr/>
               </a:pPr>
-              <a:t>8/18/2018</a:t>
+              <a:t>11/1/2018</a:t>
             </a:fld>
             <a:endParaRPr lang="en-US" dirty="0">
               <a:solidFill>
@@ -3277,7 +3277,7 @@
               <a:pPr>
                 <a:defRPr/>
               </a:pPr>
-              <a:t>8/18/2018</a:t>
+              <a:t>11/1/2018</a:t>
             </a:fld>
             <a:endParaRPr lang="en-US" dirty="0">
               <a:solidFill>
@@ -3598,7 +3598,7 @@
               <a:pPr>
                 <a:defRPr/>
               </a:pPr>
-              <a:t>8/18/2018</a:t>
+              <a:t>11/1/2018</a:t>
             </a:fld>
             <a:endParaRPr lang="en-US" dirty="0">
               <a:solidFill>
@@ -3806,7 +3806,7 @@
               <a:pPr>
                 <a:defRPr/>
               </a:pPr>
-              <a:t>8/18/2018</a:t>
+              <a:t>11/1/2018</a:t>
             </a:fld>
             <a:endParaRPr lang="en-US" dirty="0"/>
           </a:p>
@@ -4089,7 +4089,7 @@
               <a:pPr>
                 <a:defRPr/>
               </a:pPr>
-              <a:t>8/18/2018</a:t>
+              <a:t>11/1/2018</a:t>
             </a:fld>
             <a:endParaRPr lang="en-US" dirty="0">
               <a:solidFill>
@@ -4303,7 +4303,7 @@
               <a:pPr>
                 <a:defRPr/>
               </a:pPr>
-              <a:t>8/18/2018</a:t>
+              <a:t>11/1/2018</a:t>
             </a:fld>
             <a:endParaRPr lang="en-US" dirty="0">
               <a:solidFill>
@@ -4527,7 +4527,7 @@
               <a:pPr>
                 <a:defRPr/>
               </a:pPr>
-              <a:t>8/18/2018</a:t>
+              <a:t>11/1/2018</a:t>
             </a:fld>
             <a:endParaRPr lang="en-US" dirty="0">
               <a:solidFill>
@@ -4737,7 +4737,7 @@
               <a:pPr>
                 <a:defRPr/>
               </a:pPr>
-              <a:t>8/18/2018</a:t>
+              <a:t>11/1/2018</a:t>
             </a:fld>
             <a:endParaRPr lang="en-US" dirty="0">
               <a:solidFill>
@@ -5014,7 +5014,7 @@
               <a:pPr>
                 <a:defRPr/>
               </a:pPr>
-              <a:t>8/18/2018</a:t>
+              <a:t>11/1/2018</a:t>
             </a:fld>
             <a:endParaRPr lang="en-US" dirty="0"/>
           </a:p>
@@ -5321,7 +5321,7 @@
               <a:pPr>
                 <a:defRPr/>
               </a:pPr>
-              <a:t>8/18/2018</a:t>
+              <a:t>11/1/2018</a:t>
             </a:fld>
             <a:endParaRPr lang="en-US" dirty="0"/>
           </a:p>
@@ -5762,7 +5762,7 @@
               <a:pPr>
                 <a:defRPr/>
               </a:pPr>
-              <a:t>8/18/2018</a:t>
+              <a:t>11/1/2018</a:t>
             </a:fld>
             <a:endParaRPr lang="en-US" dirty="0"/>
           </a:p>
@@ -5901,7 +5901,7 @@
               <a:pPr>
                 <a:defRPr/>
               </a:pPr>
-              <a:t>8/18/2018</a:t>
+              <a:t>11/1/2018</a:t>
             </a:fld>
             <a:endParaRPr lang="en-US" dirty="0"/>
           </a:p>
@@ -6018,7 +6018,7 @@
               <a:pPr>
                 <a:defRPr/>
               </a:pPr>
-              <a:t>8/18/2018</a:t>
+              <a:t>11/1/2018</a:t>
             </a:fld>
             <a:endParaRPr lang="en-US" dirty="0"/>
           </a:p>
@@ -6315,7 +6315,7 @@
               <a:pPr>
                 <a:defRPr/>
               </a:pPr>
-              <a:t>8/18/2018</a:t>
+              <a:t>11/1/2018</a:t>
             </a:fld>
             <a:endParaRPr lang="en-US" dirty="0"/>
           </a:p>
@@ -6592,7 +6592,7 @@
               <a:pPr>
                 <a:defRPr/>
               </a:pPr>
-              <a:t>8/18/2018</a:t>
+              <a:t>11/1/2018</a:t>
             </a:fld>
             <a:endParaRPr lang="en-US" dirty="0"/>
           </a:p>
@@ -6849,7 +6849,7 @@
               <a:pPr>
                 <a:defRPr/>
               </a:pPr>
-              <a:t>8/18/2018</a:t>
+              <a:t>11/1/2018</a:t>
             </a:fld>
             <a:endParaRPr lang="en-US" dirty="0"/>
           </a:p>
@@ -7559,7 +7559,7 @@
               <a:pPr>
                 <a:defRPr/>
               </a:pPr>
-              <a:t>8/18/2018</a:t>
+              <a:t>11/1/2018</a:t>
             </a:fld>
             <a:endParaRPr lang="en-US" dirty="0">
               <a:solidFill>
@@ -8914,7 +8914,7 @@
             <a:r>
               <a:rPr lang="en-US" sz="2000" dirty="0">
                 <a:solidFill>
-                  <a:srgbClr val="404040"/>
+                  <a:srgbClr val="0D16FF"/>
                 </a:solidFill>
                 <a:ea typeface="+mn-ea"/>
                 <a:cs typeface="+mn-cs"/>
@@ -8930,7 +8930,7 @@
             </a:r>
             <a:endParaRPr lang="en-US" sz="2000" dirty="0">
               <a:solidFill>
-                <a:srgbClr val="404040"/>
+                <a:srgbClr val="0D16FF"/>
               </a:solidFill>
               <a:ea typeface="+mn-ea"/>
               <a:cs typeface="+mn-cs"/>

--- a/Lecture/Lecture 1/Lecture 1.pptx
+++ b/Lecture/Lecture 1/Lecture 1.pptx
@@ -6,10 +6,10 @@
     <p:sldMasterId id="2147483676" r:id="rId2"/>
   </p:sldMasterIdLst>
   <p:notesMasterIdLst>
-    <p:notesMasterId r:id="rId11"/>
+    <p:notesMasterId r:id="rId13"/>
   </p:notesMasterIdLst>
   <p:handoutMasterIdLst>
-    <p:handoutMasterId r:id="rId12"/>
+    <p:handoutMasterId r:id="rId14"/>
   </p:handoutMasterIdLst>
   <p:sldIdLst>
     <p:sldId id="320" r:id="rId3"/>
@@ -18,13 +18,15 @@
     <p:sldId id="325" r:id="rId6"/>
     <p:sldId id="326" r:id="rId7"/>
     <p:sldId id="327" r:id="rId8"/>
-    <p:sldId id="328" r:id="rId9"/>
-    <p:sldId id="329" r:id="rId10"/>
+    <p:sldId id="330" r:id="rId9"/>
+    <p:sldId id="328" r:id="rId10"/>
+    <p:sldId id="331" r:id="rId11"/>
+    <p:sldId id="329" r:id="rId12"/>
   </p:sldIdLst>
   <p:sldSz cx="9144000" cy="6858000" type="screen4x3"/>
   <p:notesSz cx="6858000" cy="9144000"/>
   <p:custDataLst>
-    <p:tags r:id="rId13"/>
+    <p:tags r:id="rId15"/>
   </p:custDataLst>
   <p:defaultTextStyle>
     <a:defPPr>
@@ -283,7 +285,7 @@
               <a:pPr>
                 <a:defRPr/>
               </a:pPr>
-              <a:t>11/1/2018</a:t>
+              <a:t>1/10/2019</a:t>
             </a:fld>
             <a:endParaRPr lang="en-US" dirty="0"/>
           </a:p>
@@ -495,7 +497,7 @@
               <a:pPr>
                 <a:defRPr/>
               </a:pPr>
-              <a:t>11/1/2018</a:t>
+              <a:t>1/10/2019</a:t>
             </a:fld>
             <a:endParaRPr lang="en-US" dirty="0"/>
           </a:p>
@@ -1014,7 +1016,7 @@
               <a:pPr>
                 <a:defRPr/>
               </a:pPr>
-              <a:t>11/1/2018</a:t>
+              <a:t>1/10/2019</a:t>
             </a:fld>
             <a:endParaRPr lang="en-US" dirty="0"/>
           </a:p>
@@ -1204,7 +1206,7 @@
               <a:pPr>
                 <a:defRPr/>
               </a:pPr>
-              <a:t>11/1/2018</a:t>
+              <a:t>1/10/2019</a:t>
             </a:fld>
             <a:endParaRPr lang="en-US" dirty="0"/>
           </a:p>
@@ -1404,7 +1406,7 @@
               <a:pPr>
                 <a:defRPr/>
               </a:pPr>
-              <a:t>11/1/2018</a:t>
+              <a:t>1/10/2019</a:t>
             </a:fld>
             <a:endParaRPr lang="en-US" dirty="0"/>
           </a:p>
@@ -1672,7 +1674,7 @@
               <a:pPr>
                 <a:defRPr/>
               </a:pPr>
-              <a:t>11/1/2018</a:t>
+              <a:t>1/10/2019</a:t>
             </a:fld>
             <a:endParaRPr lang="en-US" dirty="0">
               <a:solidFill>
@@ -1886,7 +1888,7 @@
               <a:pPr>
                 <a:defRPr/>
               </a:pPr>
-              <a:t>11/1/2018</a:t>
+              <a:t>1/10/2019</a:t>
             </a:fld>
             <a:endParaRPr lang="en-US" dirty="0">
               <a:solidFill>
@@ -2177,7 +2179,7 @@
               <a:pPr>
                 <a:defRPr/>
               </a:pPr>
-              <a:t>11/1/2018</a:t>
+              <a:t>1/10/2019</a:t>
             </a:fld>
             <a:endParaRPr lang="en-US" dirty="0">
               <a:solidFill>
@@ -2508,7 +2510,7 @@
               <a:pPr>
                 <a:defRPr/>
               </a:pPr>
-              <a:t>11/1/2018</a:t>
+              <a:t>1/10/2019</a:t>
             </a:fld>
             <a:endParaRPr lang="en-US" dirty="0">
               <a:solidFill>
@@ -2973,7 +2975,7 @@
               <a:pPr>
                 <a:defRPr/>
               </a:pPr>
-              <a:t>11/1/2018</a:t>
+              <a:t>1/10/2019</a:t>
             </a:fld>
             <a:endParaRPr lang="en-US" dirty="0">
               <a:solidFill>
@@ -3136,7 +3138,7 @@
               <a:pPr>
                 <a:defRPr/>
               </a:pPr>
-              <a:t>11/1/2018</a:t>
+              <a:t>1/10/2019</a:t>
             </a:fld>
             <a:endParaRPr lang="en-US" dirty="0">
               <a:solidFill>
@@ -3277,7 +3279,7 @@
               <a:pPr>
                 <a:defRPr/>
               </a:pPr>
-              <a:t>11/1/2018</a:t>
+              <a:t>1/10/2019</a:t>
             </a:fld>
             <a:endParaRPr lang="en-US" dirty="0">
               <a:solidFill>
@@ -3598,7 +3600,7 @@
               <a:pPr>
                 <a:defRPr/>
               </a:pPr>
-              <a:t>11/1/2018</a:t>
+              <a:t>1/10/2019</a:t>
             </a:fld>
             <a:endParaRPr lang="en-US" dirty="0">
               <a:solidFill>
@@ -3806,7 +3808,7 @@
               <a:pPr>
                 <a:defRPr/>
               </a:pPr>
-              <a:t>11/1/2018</a:t>
+              <a:t>1/10/2019</a:t>
             </a:fld>
             <a:endParaRPr lang="en-US" dirty="0"/>
           </a:p>
@@ -4089,7 +4091,7 @@
               <a:pPr>
                 <a:defRPr/>
               </a:pPr>
-              <a:t>11/1/2018</a:t>
+              <a:t>1/10/2019</a:t>
             </a:fld>
             <a:endParaRPr lang="en-US" dirty="0">
               <a:solidFill>
@@ -4303,7 +4305,7 @@
               <a:pPr>
                 <a:defRPr/>
               </a:pPr>
-              <a:t>11/1/2018</a:t>
+              <a:t>1/10/2019</a:t>
             </a:fld>
             <a:endParaRPr lang="en-US" dirty="0">
               <a:solidFill>
@@ -4527,7 +4529,7 @@
               <a:pPr>
                 <a:defRPr/>
               </a:pPr>
-              <a:t>11/1/2018</a:t>
+              <a:t>1/10/2019</a:t>
             </a:fld>
             <a:endParaRPr lang="en-US" dirty="0">
               <a:solidFill>
@@ -4737,7 +4739,7 @@
               <a:pPr>
                 <a:defRPr/>
               </a:pPr>
-              <a:t>11/1/2018</a:t>
+              <a:t>1/10/2019</a:t>
             </a:fld>
             <a:endParaRPr lang="en-US" dirty="0">
               <a:solidFill>
@@ -5014,7 +5016,7 @@
               <a:pPr>
                 <a:defRPr/>
               </a:pPr>
-              <a:t>11/1/2018</a:t>
+              <a:t>1/10/2019</a:t>
             </a:fld>
             <a:endParaRPr lang="en-US" dirty="0"/>
           </a:p>
@@ -5321,7 +5323,7 @@
               <a:pPr>
                 <a:defRPr/>
               </a:pPr>
-              <a:t>11/1/2018</a:t>
+              <a:t>1/10/2019</a:t>
             </a:fld>
             <a:endParaRPr lang="en-US" dirty="0"/>
           </a:p>
@@ -5762,7 +5764,7 @@
               <a:pPr>
                 <a:defRPr/>
               </a:pPr>
-              <a:t>11/1/2018</a:t>
+              <a:t>1/10/2019</a:t>
             </a:fld>
             <a:endParaRPr lang="en-US" dirty="0"/>
           </a:p>
@@ -5901,7 +5903,7 @@
               <a:pPr>
                 <a:defRPr/>
               </a:pPr>
-              <a:t>11/1/2018</a:t>
+              <a:t>1/10/2019</a:t>
             </a:fld>
             <a:endParaRPr lang="en-US" dirty="0"/>
           </a:p>
@@ -6018,7 +6020,7 @@
               <a:pPr>
                 <a:defRPr/>
               </a:pPr>
-              <a:t>11/1/2018</a:t>
+              <a:t>1/10/2019</a:t>
             </a:fld>
             <a:endParaRPr lang="en-US" dirty="0"/>
           </a:p>
@@ -6315,7 +6317,7 @@
               <a:pPr>
                 <a:defRPr/>
               </a:pPr>
-              <a:t>11/1/2018</a:t>
+              <a:t>1/10/2019</a:t>
             </a:fld>
             <a:endParaRPr lang="en-US" dirty="0"/>
           </a:p>
@@ -6592,7 +6594,7 @@
               <a:pPr>
                 <a:defRPr/>
               </a:pPr>
-              <a:t>11/1/2018</a:t>
+              <a:t>1/10/2019</a:t>
             </a:fld>
             <a:endParaRPr lang="en-US" dirty="0"/>
           </a:p>
@@ -6849,7 +6851,7 @@
               <a:pPr>
                 <a:defRPr/>
               </a:pPr>
-              <a:t>11/1/2018</a:t>
+              <a:t>1/10/2019</a:t>
             </a:fld>
             <a:endParaRPr lang="en-US" dirty="0"/>
           </a:p>
@@ -7559,7 +7561,7 @@
               <a:pPr>
                 <a:defRPr/>
               </a:pPr>
-              <a:t>11/1/2018</a:t>
+              <a:t>1/10/2019</a:t>
             </a:fld>
             <a:endParaRPr lang="en-US" dirty="0">
               <a:solidFill>
@@ -8443,7 +8445,7 @@
 </p:sld>
 </file>
 
-<file path=ppt/slides/slide2.xml><?xml version="1.0" encoding="utf-8"?>
+<file path=ppt/slides/slide10.xml><?xml version="1.0" encoding="utf-8"?>
 <p:sld xmlns:a="http://schemas.openxmlformats.org/drawingml/2006/main" xmlns:r="http://schemas.openxmlformats.org/officeDocument/2006/relationships" xmlns:p="http://schemas.openxmlformats.org/presentationml/2006/main">
   <p:cSld>
     <p:bg>
@@ -8576,14 +8578,68 @@
                 <a:ea typeface="+mj-ea"/>
                 <a:cs typeface="+mj-cs"/>
               </a:rPr>
-              <a:t>Who am I?</a:t>
-            </a:r>
-          </a:p>
-        </p:txBody>
-      </p:sp>
-      <p:sp>
-        <p:nvSpPr>
-          <p:cNvPr id="5" name="Content Placeholder 2"/>
+              <a:t>Closing</a:t>
+            </a:r>
+            <a:r>
+              <a:rPr lang="en-US" sz="2400" dirty="0">
+                <a:solidFill>
+                  <a:schemeClr val="bg1"/>
+                </a:solidFill>
+                <a:ea typeface="+mj-ea"/>
+                <a:cs typeface="+mj-cs"/>
+              </a:rPr>
+              <a:t>?</a:t>
+            </a:r>
+            <a:endParaRPr lang="en-US" sz="2400" kern="1200" dirty="0">
+              <a:solidFill>
+                <a:schemeClr val="bg1"/>
+              </a:solidFill>
+              <a:latin typeface="+mj-lt"/>
+              <a:ea typeface="+mj-ea"/>
+              <a:cs typeface="+mj-cs"/>
+            </a:endParaRPr>
+          </a:p>
+        </p:txBody>
+      </p:sp>
+      <p:pic>
+        <p:nvPicPr>
+          <p:cNvPr id="8" name="Picture 7">
+            <a:extLst>
+              <a:ext uri="{FF2B5EF4-FFF2-40B4-BE49-F238E27FC236}">
+                <a16:creationId xmlns:a16="http://schemas.microsoft.com/office/drawing/2014/main" id="{521D4292-9ECC-4DA5-8CC0-C561A0DA118E}"/>
+              </a:ext>
+            </a:extLst>
+          </p:cNvPr>
+          <p:cNvPicPr>
+            <a:picLocks noChangeAspect="1"/>
+          </p:cNvPicPr>
+          <p:nvPr/>
+        </p:nvPicPr>
+        <p:blipFill rotWithShape="1">
+          <a:blip r:embed="rId3"/>
+          <a:srcRect l="8000" r="9400"/>
+          <a:stretch/>
+        </p:blipFill>
+        <p:spPr>
+          <a:xfrm>
+            <a:off x="660103" y="3048000"/>
+            <a:ext cx="2167974" cy="2624666"/>
+          </a:xfrm>
+          <a:prstGeom prst="rect">
+            <a:avLst/>
+          </a:prstGeom>
+          <a:noFill/>
+        </p:spPr>
+      </p:pic>
+      <p:sp>
+        <p:nvSpPr>
+          <p:cNvPr id="7" name="Content Placeholder 2">
+            <a:extLst>
+              <a:ext uri="{FF2B5EF4-FFF2-40B4-BE49-F238E27FC236}">
+                <a16:creationId xmlns:a16="http://schemas.microsoft.com/office/drawing/2014/main" id="{8FE51533-15BE-453E-90FE-08298901BC34}"/>
+              </a:ext>
+            </a:extLst>
+          </p:cNvPr>
           <p:cNvSpPr txBox="1">
             <a:spLocks/>
           </p:cNvSpPr>
@@ -8591,8 +8647,8 @@
         </p:nvSpPr>
         <p:spPr bwMode="auto">
           <a:xfrm>
-            <a:off x="3810000" y="643467"/>
-            <a:ext cx="4851400" cy="4038600"/>
+            <a:off x="3810000" y="643466"/>
+            <a:ext cx="4851400" cy="5833533"/>
           </a:xfrm>
           <a:prstGeom prst="rect">
             <a:avLst/>
@@ -8765,31 +8821,6 @@
               <a:buFont typeface="Arial" panose="020B0604020202020204" pitchFamily="34" charset="0"/>
               <a:buChar char="•"/>
             </a:pPr>
-            <a:r>
-              <a:rPr lang="en-US" sz="2000" dirty="0">
-                <a:solidFill>
-                  <a:srgbClr val="404040"/>
-                </a:solidFill>
-                <a:ea typeface="+mn-ea"/>
-                <a:cs typeface="+mn-cs"/>
-              </a:rPr>
-              <a:t>Name: Mario Giacomazzo</a:t>
-            </a:r>
-            <a:endParaRPr lang="en-US" sz="1600" dirty="0">
-              <a:solidFill>
-                <a:srgbClr val="404040"/>
-              </a:solidFill>
-              <a:ea typeface="+mn-ea"/>
-              <a:cs typeface="+mn-cs"/>
-            </a:endParaRPr>
-          </a:p>
-          <a:p>
-            <a:pPr marL="114300" indent="0" defTabSz="914400" eaLnBrk="1" hangingPunct="1">
-              <a:lnSpc>
-                <a:spcPct val="90000"/>
-              </a:lnSpc>
-              <a:buNone/>
-            </a:pPr>
             <a:endParaRPr lang="en-US" sz="2000" dirty="0">
               <a:solidFill>
                 <a:srgbClr val="404040"/>
@@ -8797,25 +8828,6 @@
               <a:ea typeface="+mn-ea"/>
               <a:cs typeface="+mn-cs"/>
             </a:endParaRPr>
-          </a:p>
-          <a:p>
-            <a:pPr indent="-228600" defTabSz="914400" eaLnBrk="1" hangingPunct="1">
-              <a:lnSpc>
-                <a:spcPct val="90000"/>
-              </a:lnSpc>
-              <a:buFont typeface="Arial" panose="020B0604020202020204" pitchFamily="34" charset="0"/>
-              <a:buChar char="•"/>
-            </a:pPr>
-            <a:r>
-              <a:rPr lang="en-US" sz="2000" dirty="0">
-                <a:solidFill>
-                  <a:srgbClr val="404040"/>
-                </a:solidFill>
-                <a:ea typeface="+mn-ea"/>
-                <a:cs typeface="+mn-cs"/>
-              </a:rPr>
-              <a:t>Origin: Cleveland, OH</a:t>
-            </a:r>
           </a:p>
           <a:p>
             <a:pPr indent="-228600" defTabSz="914400" eaLnBrk="1" hangingPunct="1">
@@ -8833,6 +8845,208 @@
               <a:cs typeface="+mn-cs"/>
             </a:endParaRPr>
           </a:p>
+        </p:txBody>
+      </p:sp>
+      <p:sp>
+        <p:nvSpPr>
+          <p:cNvPr id="10" name="Content Placeholder 2">
+            <a:extLst>
+              <a:ext uri="{FF2B5EF4-FFF2-40B4-BE49-F238E27FC236}">
+                <a16:creationId xmlns:a16="http://schemas.microsoft.com/office/drawing/2014/main" id="{10754C74-871F-42E2-A79F-10B9CCA16CD5}"/>
+              </a:ext>
+            </a:extLst>
+          </p:cNvPr>
+          <p:cNvSpPr txBox="1">
+            <a:spLocks/>
+          </p:cNvSpPr>
+          <p:nvPr/>
+        </p:nvSpPr>
+        <p:spPr bwMode="auto">
+          <a:xfrm>
+            <a:off x="3973322" y="643466"/>
+            <a:ext cx="4851400" cy="5953916"/>
+          </a:xfrm>
+          <a:prstGeom prst="rect">
+            <a:avLst/>
+          </a:prstGeom>
+        </p:spPr>
+        <p:txBody>
+          <a:bodyPr vert="horz" lIns="91440" tIns="45720" rIns="91440" bIns="45720" numCol="1" rtlCol="0" anchorCtr="0" compatLnSpc="1">
+            <a:prstTxWarp prst="textNoShape">
+              <a:avLst/>
+            </a:prstTxWarp>
+            <a:noAutofit/>
+          </a:bodyPr>
+          <a:lstStyle>
+            <a:lvl1pPr marL="342900" indent="-342900" algn="l" defTabSz="457200" rtl="0" eaLnBrk="0" fontAlgn="base" hangingPunct="0">
+              <a:spcBef>
+                <a:spcPct val="20000"/>
+              </a:spcBef>
+              <a:spcAft>
+                <a:spcPct val="0"/>
+              </a:spcAft>
+              <a:buFont typeface="Arial" charset="0"/>
+              <a:buChar char="•"/>
+              <a:defRPr sz="3200" kern="1200">
+                <a:solidFill>
+                  <a:schemeClr val="tx1"/>
+                </a:solidFill>
+                <a:latin typeface="+mn-lt"/>
+                <a:ea typeface="ＭＳ Ｐゴシック" pitchFamily="-109" charset="-128"/>
+                <a:cs typeface="ＭＳ Ｐゴシック" pitchFamily="-109" charset="-128"/>
+              </a:defRPr>
+            </a:lvl1pPr>
+            <a:lvl2pPr marL="742950" indent="-285750" algn="l" defTabSz="457200" rtl="0" eaLnBrk="0" fontAlgn="base" hangingPunct="0">
+              <a:spcBef>
+                <a:spcPct val="20000"/>
+              </a:spcBef>
+              <a:spcAft>
+                <a:spcPct val="0"/>
+              </a:spcAft>
+              <a:buFont typeface="Arial" charset="0"/>
+              <a:buChar char="–"/>
+              <a:defRPr sz="2800" kern="1200">
+                <a:solidFill>
+                  <a:schemeClr val="tx1"/>
+                </a:solidFill>
+                <a:latin typeface="+mn-lt"/>
+                <a:ea typeface="ＭＳ Ｐゴシック" pitchFamily="-109" charset="-128"/>
+                <a:cs typeface="+mn-cs"/>
+              </a:defRPr>
+            </a:lvl2pPr>
+            <a:lvl3pPr marL="1143000" indent="-228600" algn="l" defTabSz="457200" rtl="0" eaLnBrk="0" fontAlgn="base" hangingPunct="0">
+              <a:spcBef>
+                <a:spcPct val="20000"/>
+              </a:spcBef>
+              <a:spcAft>
+                <a:spcPct val="0"/>
+              </a:spcAft>
+              <a:buFont typeface="Arial" charset="0"/>
+              <a:buChar char="•"/>
+              <a:defRPr sz="2400" kern="1200">
+                <a:solidFill>
+                  <a:schemeClr val="tx1"/>
+                </a:solidFill>
+                <a:latin typeface="+mn-lt"/>
+                <a:ea typeface="ＭＳ Ｐゴシック" pitchFamily="-109" charset="-128"/>
+                <a:cs typeface="+mn-cs"/>
+              </a:defRPr>
+            </a:lvl3pPr>
+            <a:lvl4pPr marL="1600200" indent="-228600" algn="l" defTabSz="457200" rtl="0" eaLnBrk="0" fontAlgn="base" hangingPunct="0">
+              <a:spcBef>
+                <a:spcPct val="20000"/>
+              </a:spcBef>
+              <a:spcAft>
+                <a:spcPct val="0"/>
+              </a:spcAft>
+              <a:buFont typeface="Arial" charset="0"/>
+              <a:buChar char="–"/>
+              <a:defRPr sz="2000" kern="1200">
+                <a:solidFill>
+                  <a:schemeClr val="tx1"/>
+                </a:solidFill>
+                <a:latin typeface="+mn-lt"/>
+                <a:ea typeface="ＭＳ Ｐゴシック" pitchFamily="-109" charset="-128"/>
+                <a:cs typeface="+mn-cs"/>
+              </a:defRPr>
+            </a:lvl4pPr>
+            <a:lvl5pPr marL="2057400" indent="-228600" algn="l" defTabSz="457200" rtl="0" eaLnBrk="0" fontAlgn="base" hangingPunct="0">
+              <a:spcBef>
+                <a:spcPct val="20000"/>
+              </a:spcBef>
+              <a:spcAft>
+                <a:spcPct val="0"/>
+              </a:spcAft>
+              <a:buFont typeface="Arial" charset="0"/>
+              <a:buChar char="»"/>
+              <a:defRPr sz="2000" kern="1200">
+                <a:solidFill>
+                  <a:schemeClr val="tx1"/>
+                </a:solidFill>
+                <a:latin typeface="+mn-lt"/>
+                <a:ea typeface="ＭＳ Ｐゴシック" pitchFamily="-109" charset="-128"/>
+                <a:cs typeface="+mn-cs"/>
+              </a:defRPr>
+            </a:lvl5pPr>
+            <a:lvl6pPr marL="2514600" indent="-228600" algn="l" defTabSz="457200" rtl="0" eaLnBrk="1" latinLnBrk="0" hangingPunct="1">
+              <a:spcBef>
+                <a:spcPct val="20000"/>
+              </a:spcBef>
+              <a:buFont typeface="Arial"/>
+              <a:buChar char="•"/>
+              <a:defRPr sz="2000" kern="1200">
+                <a:solidFill>
+                  <a:schemeClr val="tx1"/>
+                </a:solidFill>
+                <a:latin typeface="+mn-lt"/>
+                <a:ea typeface="+mn-ea"/>
+                <a:cs typeface="+mn-cs"/>
+              </a:defRPr>
+            </a:lvl6pPr>
+            <a:lvl7pPr marL="2971800" indent="-228600" algn="l" defTabSz="457200" rtl="0" eaLnBrk="1" latinLnBrk="0" hangingPunct="1">
+              <a:spcBef>
+                <a:spcPct val="20000"/>
+              </a:spcBef>
+              <a:buFont typeface="Arial"/>
+              <a:buChar char="•"/>
+              <a:defRPr sz="2000" kern="1200">
+                <a:solidFill>
+                  <a:schemeClr val="tx1"/>
+                </a:solidFill>
+                <a:latin typeface="+mn-lt"/>
+                <a:ea typeface="+mn-ea"/>
+                <a:cs typeface="+mn-cs"/>
+              </a:defRPr>
+            </a:lvl7pPr>
+            <a:lvl8pPr marL="3429000" indent="-228600" algn="l" defTabSz="457200" rtl="0" eaLnBrk="1" latinLnBrk="0" hangingPunct="1">
+              <a:spcBef>
+                <a:spcPct val="20000"/>
+              </a:spcBef>
+              <a:buFont typeface="Arial"/>
+              <a:buChar char="•"/>
+              <a:defRPr sz="2000" kern="1200">
+                <a:solidFill>
+                  <a:schemeClr val="tx1"/>
+                </a:solidFill>
+                <a:latin typeface="+mn-lt"/>
+                <a:ea typeface="+mn-ea"/>
+                <a:cs typeface="+mn-cs"/>
+              </a:defRPr>
+            </a:lvl8pPr>
+            <a:lvl9pPr marL="3886200" indent="-228600" algn="l" defTabSz="457200" rtl="0" eaLnBrk="1" latinLnBrk="0" hangingPunct="1">
+              <a:spcBef>
+                <a:spcPct val="20000"/>
+              </a:spcBef>
+              <a:buFont typeface="Arial"/>
+              <a:buChar char="•"/>
+              <a:defRPr sz="2000" kern="1200">
+                <a:solidFill>
+                  <a:schemeClr val="tx1"/>
+                </a:solidFill>
+                <a:latin typeface="+mn-lt"/>
+                <a:ea typeface="+mn-ea"/>
+                <a:cs typeface="+mn-cs"/>
+              </a:defRPr>
+            </a:lvl9pPr>
+          </a:lstStyle>
+          <a:p>
+            <a:pPr marL="114300" indent="0" defTabSz="914400" eaLnBrk="1" hangingPunct="1">
+              <a:lnSpc>
+                <a:spcPct val="90000"/>
+              </a:lnSpc>
+              <a:buNone/>
+            </a:pPr>
+            <a:r>
+              <a:rPr lang="en-US" sz="7200" dirty="0">
+                <a:solidFill>
+                  <a:srgbClr val="404040"/>
+                </a:solidFill>
+                <a:ea typeface="+mn-ea"/>
+                <a:cs typeface="+mn-cs"/>
+              </a:rPr>
+              <a:t>Disperse and Make Reasonable Decisions</a:t>
+            </a:r>
+          </a:p>
           <a:p>
             <a:pPr indent="-228600" defTabSz="914400" eaLnBrk="1" hangingPunct="1">
               <a:lnSpc>
@@ -8841,16 +9055,13 @@
               <a:buFont typeface="Arial" panose="020B0604020202020204" pitchFamily="34" charset="0"/>
               <a:buChar char="•"/>
             </a:pPr>
-            <a:r>
-              <a:rPr lang="en-US" sz="2000" dirty="0">
-                <a:solidFill>
-                  <a:srgbClr val="404040"/>
-                </a:solidFill>
-                <a:ea typeface="+mn-ea"/>
-                <a:cs typeface="+mn-cs"/>
-              </a:rPr>
-              <a:t>Undergrad: Baldwin-Wallace University </a:t>
-            </a:r>
+            <a:endParaRPr lang="en-US" sz="7200" dirty="0">
+              <a:solidFill>
+                <a:srgbClr val="404040"/>
+              </a:solidFill>
+              <a:ea typeface="+mn-ea"/>
+              <a:cs typeface="+mn-cs"/>
+            </a:endParaRPr>
           </a:p>
           <a:p>
             <a:pPr indent="-228600" defTabSz="914400" eaLnBrk="1" hangingPunct="1">
@@ -8860,7 +9071,7 @@
               <a:buFont typeface="Arial" panose="020B0604020202020204" pitchFamily="34" charset="0"/>
               <a:buChar char="•"/>
             </a:pPr>
-            <a:endParaRPr lang="en-US" sz="2000" dirty="0">
+            <a:endParaRPr lang="en-US" sz="7200" dirty="0">
               <a:solidFill>
                 <a:srgbClr val="404040"/>
               </a:solidFill>
@@ -8876,16 +9087,13 @@
               <a:buFont typeface="Arial" panose="020B0604020202020204" pitchFamily="34" charset="0"/>
               <a:buChar char="•"/>
             </a:pPr>
-            <a:r>
-              <a:rPr lang="en-US" sz="2000" dirty="0">
-                <a:solidFill>
-                  <a:srgbClr val="404040"/>
-                </a:solidFill>
-                <a:ea typeface="+mn-ea"/>
-                <a:cs typeface="+mn-cs"/>
-              </a:rPr>
-              <a:t>Grad: Arizona State University</a:t>
-            </a:r>
+            <a:endParaRPr lang="en-US" sz="7200" dirty="0">
+              <a:solidFill>
+                <a:srgbClr val="404040"/>
+              </a:solidFill>
+              <a:ea typeface="+mn-ea"/>
+              <a:cs typeface="+mn-cs"/>
+            </a:endParaRPr>
           </a:p>
           <a:p>
             <a:pPr indent="-228600" defTabSz="914400" eaLnBrk="1" hangingPunct="1">
@@ -8895,7 +9103,7 @@
               <a:buFont typeface="Arial" panose="020B0604020202020204" pitchFamily="34" charset="0"/>
               <a:buChar char="•"/>
             </a:pPr>
-            <a:endParaRPr lang="en-US" sz="2000" dirty="0">
+            <a:endParaRPr lang="en-US" sz="7200" dirty="0">
               <a:solidFill>
                 <a:srgbClr val="404040"/>
               </a:solidFill>
@@ -8903,6 +9111,338 @@
               <a:cs typeface="+mn-cs"/>
             </a:endParaRPr>
           </a:p>
+        </p:txBody>
+      </p:sp>
+    </p:spTree>
+    <p:custDataLst>
+      <p:tags r:id="rId1"/>
+    </p:custDataLst>
+    <p:extLst>
+      <p:ext uri="{BB962C8B-B14F-4D97-AF65-F5344CB8AC3E}">
+        <p14:creationId xmlns:p14="http://schemas.microsoft.com/office/powerpoint/2010/main" val="3647066437"/>
+      </p:ext>
+    </p:extLst>
+  </p:cSld>
+  <p:clrMapOvr>
+    <a:masterClrMapping/>
+  </p:clrMapOvr>
+</p:sld>
+</file>
+
+<file path=ppt/slides/slide2.xml><?xml version="1.0" encoding="utf-8"?>
+<p:sld xmlns:a="http://schemas.openxmlformats.org/drawingml/2006/main" xmlns:r="http://schemas.openxmlformats.org/officeDocument/2006/relationships" xmlns:p="http://schemas.openxmlformats.org/presentationml/2006/main">
+  <p:cSld>
+    <p:bg>
+      <p:bgPr>
+        <a:solidFill>
+          <a:schemeClr val="bg1">
+            <a:lumMod val="85000"/>
+          </a:schemeClr>
+        </a:solidFill>
+        <a:effectLst/>
+      </p:bgPr>
+    </p:bg>
+    <p:spTree>
+      <p:nvGrpSpPr>
+        <p:cNvPr id="1" name=""/>
+        <p:cNvGrpSpPr/>
+        <p:nvPr/>
+      </p:nvGrpSpPr>
+      <p:grpSpPr>
+        <a:xfrm>
+          <a:off x="0" y="0"/>
+          <a:ext cx="0" cy="0"/>
+          <a:chOff x="0" y="0"/>
+          <a:chExt cx="0" cy="0"/>
+        </a:xfrm>
+      </p:grpSpPr>
+      <p:sp>
+        <p:nvSpPr>
+          <p:cNvPr id="15" name="Rectangle 12">
+            <a:extLst>
+              <a:ext uri="{FF2B5EF4-FFF2-40B4-BE49-F238E27FC236}">
+                <a16:creationId xmlns:a16="http://schemas.microsoft.com/office/drawing/2014/main" id="{867D4867-5BA7-4462-B2F6-A23F4A622AA7}"/>
+              </a:ext>
+              <a:ext uri="{C183D7F6-B498-43B3-948B-1728B52AA6E4}">
+                <adec:decorative xmlns:adec="http://schemas.microsoft.com/office/drawing/2017/decorative" val="1"/>
+              </a:ext>
+            </a:extLst>
+          </p:cNvPr>
+          <p:cNvSpPr>
+            <a:spLocks noGrp="1" noRot="1" noChangeAspect="1" noMove="1" noResize="1" noEditPoints="1" noAdjustHandles="1" noChangeArrowheads="1" noChangeShapeType="1" noTextEdit="1"/>
+          </p:cNvSpPr>
+          <p:nvPr>
+            <p:extLst>
+              <p:ext uri="{386F3935-93C4-4BCD-93E2-E3B085C9AB24}">
+                <p16:designElem xmlns:p16="http://schemas.microsoft.com/office/powerpoint/2015/main" val="1"/>
+              </p:ext>
+            </p:extLst>
+          </p:nvPr>
+        </p:nvSpPr>
+        <p:spPr>
+          <a:xfrm>
+            <a:off x="0" y="0"/>
+            <a:ext cx="3490722" cy="6858000"/>
+          </a:xfrm>
+          <a:prstGeom prst="rect">
+            <a:avLst/>
+          </a:prstGeom>
+          <a:solidFill>
+            <a:schemeClr val="tx1">
+              <a:lumMod val="75000"/>
+              <a:lumOff val="25000"/>
+            </a:schemeClr>
+          </a:solidFill>
+          <a:ln>
+            <a:noFill/>
+          </a:ln>
+        </p:spPr>
+        <p:style>
+          <a:lnRef idx="0">
+            <a:scrgbClr r="0" g="0" b="0"/>
+          </a:lnRef>
+          <a:fillRef idx="0">
+            <a:scrgbClr r="0" g="0" b="0"/>
+          </a:fillRef>
+          <a:effectRef idx="0">
+            <a:scrgbClr r="0" g="0" b="0"/>
+          </a:effectRef>
+          <a:fontRef idx="minor">
+            <a:schemeClr val="lt1"/>
+          </a:fontRef>
+        </p:style>
+        <p:txBody>
+          <a:bodyPr rtlCol="0" anchor="ctr"/>
+          <a:lstStyle/>
+          <a:p>
+            <a:pPr algn="ctr"/>
+            <a:endParaRPr lang="en-US"/>
+          </a:p>
+        </p:txBody>
+      </p:sp>
+      <p:sp>
+        <p:nvSpPr>
+          <p:cNvPr id="2" name="Title 1"/>
+          <p:cNvSpPr>
+            <a:spLocks noGrp="1"/>
+          </p:cNvSpPr>
+          <p:nvPr>
+            <p:ph type="title"/>
+          </p:nvPr>
+        </p:nvSpPr>
+        <p:spPr>
+          <a:xfrm>
+            <a:off x="482600" y="643467"/>
+            <a:ext cx="2522980" cy="1597315"/>
+          </a:xfrm>
+          <a:noFill/>
+          <a:ln w="19050">
+            <a:solidFill>
+              <a:schemeClr val="bg1"/>
+            </a:solidFill>
+          </a:ln>
+        </p:spPr>
+        <p:txBody>
+          <a:bodyPr vert="horz" wrap="square" lIns="91440" tIns="45720" rIns="91440" bIns="45720" rtlCol="0" anchor="ctr">
+            <a:normAutofit/>
+          </a:bodyPr>
+          <a:lstStyle/>
+          <a:p>
+            <a:pPr defTabSz="914400" eaLnBrk="1" hangingPunct="1">
+              <a:lnSpc>
+                <a:spcPct val="90000"/>
+              </a:lnSpc>
+            </a:pPr>
+            <a:r>
+              <a:rPr lang="en-US" sz="2400" kern="1200" dirty="0">
+                <a:solidFill>
+                  <a:schemeClr val="bg1"/>
+                </a:solidFill>
+                <a:latin typeface="+mj-lt"/>
+                <a:ea typeface="+mj-ea"/>
+                <a:cs typeface="+mj-cs"/>
+              </a:rPr>
+              <a:t>Who am I?</a:t>
+            </a:r>
+          </a:p>
+        </p:txBody>
+      </p:sp>
+      <p:sp>
+        <p:nvSpPr>
+          <p:cNvPr id="5" name="Content Placeholder 2"/>
+          <p:cNvSpPr txBox="1">
+            <a:spLocks/>
+          </p:cNvSpPr>
+          <p:nvPr/>
+        </p:nvSpPr>
+        <p:spPr bwMode="auto">
+          <a:xfrm>
+            <a:off x="3810000" y="643467"/>
+            <a:ext cx="4851400" cy="4038600"/>
+          </a:xfrm>
+          <a:prstGeom prst="rect">
+            <a:avLst/>
+          </a:prstGeom>
+        </p:spPr>
+        <p:txBody>
+          <a:bodyPr vert="horz" lIns="91440" tIns="45720" rIns="91440" bIns="45720" numCol="1" rtlCol="0" anchorCtr="0" compatLnSpc="1">
+            <a:prstTxWarp prst="textNoShape">
+              <a:avLst/>
+            </a:prstTxWarp>
+            <a:noAutofit/>
+          </a:bodyPr>
+          <a:lstStyle>
+            <a:lvl1pPr marL="342900" indent="-342900" algn="l" defTabSz="457200" rtl="0" eaLnBrk="0" fontAlgn="base" hangingPunct="0">
+              <a:spcBef>
+                <a:spcPct val="20000"/>
+              </a:spcBef>
+              <a:spcAft>
+                <a:spcPct val="0"/>
+              </a:spcAft>
+              <a:buFont typeface="Arial" charset="0"/>
+              <a:buChar char="•"/>
+              <a:defRPr sz="3200" kern="1200">
+                <a:solidFill>
+                  <a:schemeClr val="tx1"/>
+                </a:solidFill>
+                <a:latin typeface="+mn-lt"/>
+                <a:ea typeface="ＭＳ Ｐゴシック" pitchFamily="-109" charset="-128"/>
+                <a:cs typeface="ＭＳ Ｐゴシック" pitchFamily="-109" charset="-128"/>
+              </a:defRPr>
+            </a:lvl1pPr>
+            <a:lvl2pPr marL="742950" indent="-285750" algn="l" defTabSz="457200" rtl="0" eaLnBrk="0" fontAlgn="base" hangingPunct="0">
+              <a:spcBef>
+                <a:spcPct val="20000"/>
+              </a:spcBef>
+              <a:spcAft>
+                <a:spcPct val="0"/>
+              </a:spcAft>
+              <a:buFont typeface="Arial" charset="0"/>
+              <a:buChar char="–"/>
+              <a:defRPr sz="2800" kern="1200">
+                <a:solidFill>
+                  <a:schemeClr val="tx1"/>
+                </a:solidFill>
+                <a:latin typeface="+mn-lt"/>
+                <a:ea typeface="ＭＳ Ｐゴシック" pitchFamily="-109" charset="-128"/>
+                <a:cs typeface="+mn-cs"/>
+              </a:defRPr>
+            </a:lvl2pPr>
+            <a:lvl3pPr marL="1143000" indent="-228600" algn="l" defTabSz="457200" rtl="0" eaLnBrk="0" fontAlgn="base" hangingPunct="0">
+              <a:spcBef>
+                <a:spcPct val="20000"/>
+              </a:spcBef>
+              <a:spcAft>
+                <a:spcPct val="0"/>
+              </a:spcAft>
+              <a:buFont typeface="Arial" charset="0"/>
+              <a:buChar char="•"/>
+              <a:defRPr sz="2400" kern="1200">
+                <a:solidFill>
+                  <a:schemeClr val="tx1"/>
+                </a:solidFill>
+                <a:latin typeface="+mn-lt"/>
+                <a:ea typeface="ＭＳ Ｐゴシック" pitchFamily="-109" charset="-128"/>
+                <a:cs typeface="+mn-cs"/>
+              </a:defRPr>
+            </a:lvl3pPr>
+            <a:lvl4pPr marL="1600200" indent="-228600" algn="l" defTabSz="457200" rtl="0" eaLnBrk="0" fontAlgn="base" hangingPunct="0">
+              <a:spcBef>
+                <a:spcPct val="20000"/>
+              </a:spcBef>
+              <a:spcAft>
+                <a:spcPct val="0"/>
+              </a:spcAft>
+              <a:buFont typeface="Arial" charset="0"/>
+              <a:buChar char="–"/>
+              <a:defRPr sz="2000" kern="1200">
+                <a:solidFill>
+                  <a:schemeClr val="tx1"/>
+                </a:solidFill>
+                <a:latin typeface="+mn-lt"/>
+                <a:ea typeface="ＭＳ Ｐゴシック" pitchFamily="-109" charset="-128"/>
+                <a:cs typeface="+mn-cs"/>
+              </a:defRPr>
+            </a:lvl4pPr>
+            <a:lvl5pPr marL="2057400" indent="-228600" algn="l" defTabSz="457200" rtl="0" eaLnBrk="0" fontAlgn="base" hangingPunct="0">
+              <a:spcBef>
+                <a:spcPct val="20000"/>
+              </a:spcBef>
+              <a:spcAft>
+                <a:spcPct val="0"/>
+              </a:spcAft>
+              <a:buFont typeface="Arial" charset="0"/>
+              <a:buChar char="»"/>
+              <a:defRPr sz="2000" kern="1200">
+                <a:solidFill>
+                  <a:schemeClr val="tx1"/>
+                </a:solidFill>
+                <a:latin typeface="+mn-lt"/>
+                <a:ea typeface="ＭＳ Ｐゴシック" pitchFamily="-109" charset="-128"/>
+                <a:cs typeface="+mn-cs"/>
+              </a:defRPr>
+            </a:lvl5pPr>
+            <a:lvl6pPr marL="2514600" indent="-228600" algn="l" defTabSz="457200" rtl="0" eaLnBrk="1" latinLnBrk="0" hangingPunct="1">
+              <a:spcBef>
+                <a:spcPct val="20000"/>
+              </a:spcBef>
+              <a:buFont typeface="Arial"/>
+              <a:buChar char="•"/>
+              <a:defRPr sz="2000" kern="1200">
+                <a:solidFill>
+                  <a:schemeClr val="tx1"/>
+                </a:solidFill>
+                <a:latin typeface="+mn-lt"/>
+                <a:ea typeface="+mn-ea"/>
+                <a:cs typeface="+mn-cs"/>
+              </a:defRPr>
+            </a:lvl6pPr>
+            <a:lvl7pPr marL="2971800" indent="-228600" algn="l" defTabSz="457200" rtl="0" eaLnBrk="1" latinLnBrk="0" hangingPunct="1">
+              <a:spcBef>
+                <a:spcPct val="20000"/>
+              </a:spcBef>
+              <a:buFont typeface="Arial"/>
+              <a:buChar char="•"/>
+              <a:defRPr sz="2000" kern="1200">
+                <a:solidFill>
+                  <a:schemeClr val="tx1"/>
+                </a:solidFill>
+                <a:latin typeface="+mn-lt"/>
+                <a:ea typeface="+mn-ea"/>
+                <a:cs typeface="+mn-cs"/>
+              </a:defRPr>
+            </a:lvl7pPr>
+            <a:lvl8pPr marL="3429000" indent="-228600" algn="l" defTabSz="457200" rtl="0" eaLnBrk="1" latinLnBrk="0" hangingPunct="1">
+              <a:spcBef>
+                <a:spcPct val="20000"/>
+              </a:spcBef>
+              <a:buFont typeface="Arial"/>
+              <a:buChar char="•"/>
+              <a:defRPr sz="2000" kern="1200">
+                <a:solidFill>
+                  <a:schemeClr val="tx1"/>
+                </a:solidFill>
+                <a:latin typeface="+mn-lt"/>
+                <a:ea typeface="+mn-ea"/>
+                <a:cs typeface="+mn-cs"/>
+              </a:defRPr>
+            </a:lvl8pPr>
+            <a:lvl9pPr marL="3886200" indent="-228600" algn="l" defTabSz="457200" rtl="0" eaLnBrk="1" latinLnBrk="0" hangingPunct="1">
+              <a:spcBef>
+                <a:spcPct val="20000"/>
+              </a:spcBef>
+              <a:buFont typeface="Arial"/>
+              <a:buChar char="•"/>
+              <a:defRPr sz="2000" kern="1200">
+                <a:solidFill>
+                  <a:schemeClr val="tx1"/>
+                </a:solidFill>
+                <a:latin typeface="+mn-lt"/>
+                <a:ea typeface="+mn-ea"/>
+                <a:cs typeface="+mn-cs"/>
+              </a:defRPr>
+            </a:lvl9pPr>
+          </a:lstStyle>
           <a:p>
             <a:pPr indent="-228600" defTabSz="914400" eaLnBrk="1" hangingPunct="1">
               <a:lnSpc>
@@ -8912,7 +9452,145 @@
               <a:buChar char="•"/>
             </a:pPr>
             <a:r>
-              <a:rPr lang="en-US" sz="2000" dirty="0">
+              <a:rPr lang="en-US" sz="2400" dirty="0">
+                <a:solidFill>
+                  <a:srgbClr val="404040"/>
+                </a:solidFill>
+                <a:ea typeface="+mn-ea"/>
+                <a:cs typeface="+mn-cs"/>
+              </a:rPr>
+              <a:t>Name: Mario Giacomazzo</a:t>
+            </a:r>
+          </a:p>
+          <a:p>
+            <a:pPr marL="114300" indent="0" defTabSz="914400" eaLnBrk="1" hangingPunct="1">
+              <a:lnSpc>
+                <a:spcPct val="90000"/>
+              </a:lnSpc>
+              <a:buNone/>
+            </a:pPr>
+            <a:endParaRPr lang="en-US" sz="2400" dirty="0">
+              <a:solidFill>
+                <a:srgbClr val="404040"/>
+              </a:solidFill>
+              <a:ea typeface="+mn-ea"/>
+              <a:cs typeface="+mn-cs"/>
+            </a:endParaRPr>
+          </a:p>
+          <a:p>
+            <a:pPr indent="-228600" defTabSz="914400" eaLnBrk="1" hangingPunct="1">
+              <a:lnSpc>
+                <a:spcPct val="90000"/>
+              </a:lnSpc>
+              <a:buFont typeface="Arial" panose="020B0604020202020204" pitchFamily="34" charset="0"/>
+              <a:buChar char="•"/>
+            </a:pPr>
+            <a:r>
+              <a:rPr lang="en-US" sz="2400" dirty="0">
+                <a:solidFill>
+                  <a:srgbClr val="404040"/>
+                </a:solidFill>
+                <a:ea typeface="+mn-ea"/>
+                <a:cs typeface="+mn-cs"/>
+              </a:rPr>
+              <a:t>Origin: Cleveland, OH</a:t>
+            </a:r>
+          </a:p>
+          <a:p>
+            <a:pPr indent="-228600" defTabSz="914400" eaLnBrk="1" hangingPunct="1">
+              <a:lnSpc>
+                <a:spcPct val="90000"/>
+              </a:lnSpc>
+              <a:buFont typeface="Arial" panose="020B0604020202020204" pitchFamily="34" charset="0"/>
+              <a:buChar char="•"/>
+            </a:pPr>
+            <a:endParaRPr lang="en-US" sz="2400" dirty="0">
+              <a:solidFill>
+                <a:srgbClr val="404040"/>
+              </a:solidFill>
+              <a:ea typeface="+mn-ea"/>
+              <a:cs typeface="+mn-cs"/>
+            </a:endParaRPr>
+          </a:p>
+          <a:p>
+            <a:pPr indent="-228600" defTabSz="914400" eaLnBrk="1" hangingPunct="1">
+              <a:lnSpc>
+                <a:spcPct val="90000"/>
+              </a:lnSpc>
+              <a:buFont typeface="Arial" panose="020B0604020202020204" pitchFamily="34" charset="0"/>
+              <a:buChar char="•"/>
+            </a:pPr>
+            <a:r>
+              <a:rPr lang="en-US" sz="2400" dirty="0">
+                <a:solidFill>
+                  <a:srgbClr val="404040"/>
+                </a:solidFill>
+                <a:ea typeface="+mn-ea"/>
+                <a:cs typeface="+mn-cs"/>
+              </a:rPr>
+              <a:t>Undergrad: Baldwin-Wallace</a:t>
+            </a:r>
+          </a:p>
+          <a:p>
+            <a:pPr marL="114300" indent="0" defTabSz="914400" eaLnBrk="1" hangingPunct="1">
+              <a:lnSpc>
+                <a:spcPct val="90000"/>
+              </a:lnSpc>
+              <a:buNone/>
+            </a:pPr>
+            <a:endParaRPr lang="en-US" sz="2400" dirty="0">
+              <a:solidFill>
+                <a:srgbClr val="404040"/>
+              </a:solidFill>
+              <a:ea typeface="+mn-ea"/>
+              <a:cs typeface="+mn-cs"/>
+            </a:endParaRPr>
+          </a:p>
+          <a:p>
+            <a:pPr indent="-228600" defTabSz="914400" eaLnBrk="1" hangingPunct="1">
+              <a:lnSpc>
+                <a:spcPct val="90000"/>
+              </a:lnSpc>
+              <a:buFont typeface="Arial" panose="020B0604020202020204" pitchFamily="34" charset="0"/>
+              <a:buChar char="•"/>
+            </a:pPr>
+            <a:r>
+              <a:rPr lang="en-US" sz="2400" dirty="0">
+                <a:solidFill>
+                  <a:srgbClr val="404040"/>
+                </a:solidFill>
+                <a:ea typeface="+mn-ea"/>
+                <a:cs typeface="+mn-cs"/>
+              </a:rPr>
+              <a:t>Grad: Arizona State University</a:t>
+            </a:r>
+          </a:p>
+          <a:p>
+            <a:pPr indent="-228600" defTabSz="914400" eaLnBrk="1" hangingPunct="1">
+              <a:lnSpc>
+                <a:spcPct val="90000"/>
+              </a:lnSpc>
+              <a:buFont typeface="Arial" panose="020B0604020202020204" pitchFamily="34" charset="0"/>
+              <a:buChar char="•"/>
+            </a:pPr>
+            <a:endParaRPr lang="en-US" sz="2400" dirty="0">
+              <a:solidFill>
+                <a:srgbClr val="404040"/>
+              </a:solidFill>
+              <a:ea typeface="+mn-ea"/>
+              <a:cs typeface="+mn-cs"/>
+            </a:endParaRPr>
+          </a:p>
+          <a:p>
+            <a:pPr indent="-228600" defTabSz="914400" eaLnBrk="1" hangingPunct="1">
+              <a:lnSpc>
+                <a:spcPct val="90000"/>
+              </a:lnSpc>
+              <a:buFont typeface="Arial" panose="020B0604020202020204" pitchFamily="34" charset="0"/>
+              <a:buChar char="•"/>
+            </a:pPr>
+            <a:r>
+              <a:rPr lang="en-US" sz="2400" dirty="0">
                 <a:solidFill>
                   <a:srgbClr val="0D16FF"/>
                 </a:solidFill>
@@ -8928,7 +9606,7 @@
               </a:rPr>
               <a:t>Personal Website</a:t>
             </a:r>
-            <a:endParaRPr lang="en-US" sz="2000" dirty="0">
+            <a:endParaRPr lang="en-US" sz="2400" dirty="0">
               <a:solidFill>
                 <a:srgbClr val="0D16FF"/>
               </a:solidFill>
@@ -8944,7 +9622,7 @@
               <a:buFont typeface="Arial" panose="020B0604020202020204" pitchFamily="34" charset="0"/>
               <a:buChar char="•"/>
             </a:pPr>
-            <a:endParaRPr lang="en-US" sz="2000" dirty="0">
+            <a:endParaRPr lang="en-US" sz="2400" dirty="0">
               <a:solidFill>
                 <a:srgbClr val="404040"/>
               </a:solidFill>
@@ -8961,7 +9639,7 @@
               <a:buChar char="•"/>
             </a:pPr>
             <a:r>
-              <a:rPr lang="en-US" sz="2000" dirty="0">
+              <a:rPr lang="en-US" sz="2400" dirty="0">
                 <a:solidFill>
                   <a:srgbClr val="404040"/>
                 </a:solidFill>
@@ -10581,7 +11259,7 @@
               <a:buChar char="•"/>
             </a:pPr>
             <a:r>
-              <a:rPr lang="en-US" sz="2000" dirty="0">
+              <a:rPr lang="en-US" sz="2400" dirty="0">
                 <a:solidFill>
                   <a:srgbClr val="404040"/>
                 </a:solidFill>
@@ -10599,7 +11277,7 @@
               <a:buFont typeface="Arial" panose="020B0604020202020204" pitchFamily="34" charset="0"/>
               <a:buChar char="•"/>
             </a:pPr>
-            <a:endParaRPr lang="en-US" sz="1600" dirty="0">
+            <a:endParaRPr lang="en-US" sz="2400" dirty="0">
               <a:solidFill>
                 <a:srgbClr val="404040"/>
               </a:solidFill>
@@ -10614,7 +11292,7 @@
               </a:lnSpc>
               <a:buNone/>
             </a:pPr>
-            <a:endParaRPr lang="en-US" sz="2000" dirty="0">
+            <a:endParaRPr lang="en-US" sz="2400" dirty="0">
               <a:solidFill>
                 <a:srgbClr val="404040"/>
               </a:solidFill>
@@ -10630,7 +11308,7 @@
               <a:buFont typeface="Arial" panose="020B0604020202020204" pitchFamily="34" charset="0"/>
               <a:buChar char="•"/>
             </a:pPr>
-            <a:endParaRPr lang="en-US" sz="2000" dirty="0">
+            <a:endParaRPr lang="en-US" sz="2400" dirty="0">
               <a:solidFill>
                 <a:srgbClr val="404040"/>
               </a:solidFill>
@@ -10646,7 +11324,7 @@
               <a:buFont typeface="Arial" panose="020B0604020202020204" pitchFamily="34" charset="0"/>
               <a:buChar char="•"/>
             </a:pPr>
-            <a:endParaRPr lang="en-US" sz="2000" dirty="0">
+            <a:endParaRPr lang="en-US" sz="2400" dirty="0">
               <a:solidFill>
                 <a:srgbClr val="404040"/>
               </a:solidFill>
@@ -10662,7 +11340,7 @@
               <a:buFont typeface="Arial" panose="020B0604020202020204" pitchFamily="34" charset="0"/>
               <a:buChar char="•"/>
             </a:pPr>
-            <a:endParaRPr lang="en-US" sz="2000" dirty="0">
+            <a:endParaRPr lang="en-US" sz="2400" dirty="0">
               <a:solidFill>
                 <a:srgbClr val="404040"/>
               </a:solidFill>
@@ -10678,7 +11356,22 @@
               <a:buFont typeface="Arial" panose="020B0604020202020204" pitchFamily="34" charset="0"/>
               <a:buChar char="•"/>
             </a:pPr>
-            <a:endParaRPr lang="en-US" sz="2000" dirty="0">
+            <a:endParaRPr lang="en-US" sz="2400" dirty="0">
+              <a:solidFill>
+                <a:srgbClr val="404040"/>
+              </a:solidFill>
+              <a:ea typeface="+mn-ea"/>
+              <a:cs typeface="+mn-cs"/>
+            </a:endParaRPr>
+          </a:p>
+          <a:p>
+            <a:pPr marL="114300" indent="0" defTabSz="914400" eaLnBrk="1" hangingPunct="1">
+              <a:lnSpc>
+                <a:spcPct val="90000"/>
+              </a:lnSpc>
+              <a:buNone/>
+            </a:pPr>
+            <a:endParaRPr lang="en-US" sz="2400" dirty="0">
               <a:solidFill>
                 <a:srgbClr val="404040"/>
               </a:solidFill>
@@ -10694,13 +11387,16 @@
               <a:buFont typeface="Arial" panose="020B0604020202020204" pitchFamily="34" charset="0"/>
               <a:buChar char="•"/>
             </a:pPr>
-            <a:endParaRPr lang="en-US" sz="2000" dirty="0">
-              <a:solidFill>
-                <a:srgbClr val="404040"/>
-              </a:solidFill>
-              <a:ea typeface="+mn-ea"/>
-              <a:cs typeface="+mn-cs"/>
-            </a:endParaRPr>
+            <a:r>
+              <a:rPr lang="en-US" sz="2400" dirty="0">
+                <a:solidFill>
+                  <a:srgbClr val="404040"/>
+                </a:solidFill>
+                <a:ea typeface="+mn-ea"/>
+                <a:cs typeface="+mn-cs"/>
+              </a:rPr>
+              <a:t>Computer: We will actively use our laptops in every class.</a:t>
+            </a:r>
           </a:p>
           <a:p>
             <a:pPr indent="-228600" defTabSz="914400" eaLnBrk="1" hangingPunct="1">
@@ -10710,7 +11406,7 @@
               <a:buFont typeface="Arial" panose="020B0604020202020204" pitchFamily="34" charset="0"/>
               <a:buChar char="•"/>
             </a:pPr>
-            <a:endParaRPr lang="en-US" sz="2000" dirty="0">
+            <a:endParaRPr lang="en-US" sz="2400" dirty="0">
               <a:solidFill>
                 <a:srgbClr val="404040"/>
               </a:solidFill>
@@ -10727,14 +11423,14 @@
               <a:buChar char="•"/>
             </a:pPr>
             <a:r>
-              <a:rPr lang="en-US" sz="2000" dirty="0">
+              <a:rPr lang="en-US" sz="2400" dirty="0">
                 <a:solidFill>
                   <a:srgbClr val="404040"/>
                 </a:solidFill>
                 <a:ea typeface="+mn-ea"/>
                 <a:cs typeface="+mn-cs"/>
               </a:rPr>
-              <a:t>Computer: We will actively use our laptops in every class.</a:t>
+              <a:t>R and RStudio Installed and Operational</a:t>
             </a:r>
           </a:p>
           <a:p>
@@ -10745,7 +11441,7 @@
               <a:buFont typeface="Arial" panose="020B0604020202020204" pitchFamily="34" charset="0"/>
               <a:buChar char="•"/>
             </a:pPr>
-            <a:endParaRPr lang="en-US" sz="2000" dirty="0">
+            <a:endParaRPr lang="en-US" sz="2400" dirty="0">
               <a:solidFill>
                 <a:srgbClr val="404040"/>
               </a:solidFill>
@@ -10762,42 +11458,7 @@
               <a:buChar char="•"/>
             </a:pPr>
             <a:r>
-              <a:rPr lang="en-US" sz="2000" dirty="0">
-                <a:solidFill>
-                  <a:srgbClr val="404040"/>
-                </a:solidFill>
-                <a:ea typeface="+mn-ea"/>
-                <a:cs typeface="+mn-cs"/>
-              </a:rPr>
-              <a:t>R and RStudio Installed and Operational</a:t>
-            </a:r>
-          </a:p>
-          <a:p>
-            <a:pPr indent="-228600" defTabSz="914400" eaLnBrk="1" hangingPunct="1">
-              <a:lnSpc>
-                <a:spcPct val="90000"/>
-              </a:lnSpc>
-              <a:buFont typeface="Arial" panose="020B0604020202020204" pitchFamily="34" charset="0"/>
-              <a:buChar char="•"/>
-            </a:pPr>
-            <a:endParaRPr lang="en-US" sz="2000" dirty="0">
-              <a:solidFill>
-                <a:srgbClr val="404040"/>
-              </a:solidFill>
-              <a:ea typeface="+mn-ea"/>
-              <a:cs typeface="+mn-cs"/>
-            </a:endParaRPr>
-          </a:p>
-          <a:p>
-            <a:pPr indent="-228600" defTabSz="914400" eaLnBrk="1" hangingPunct="1">
-              <a:lnSpc>
-                <a:spcPct val="90000"/>
-              </a:lnSpc>
-              <a:buFont typeface="Arial" panose="020B0604020202020204" pitchFamily="34" charset="0"/>
-              <a:buChar char="•"/>
-            </a:pPr>
-            <a:r>
-              <a:rPr lang="en-US" sz="2000" dirty="0">
+              <a:rPr lang="en-US" sz="2400" dirty="0">
                 <a:solidFill>
                   <a:srgbClr val="404040"/>
                 </a:solidFill>
@@ -10863,13 +11524,32 @@
         </p:blipFill>
         <p:spPr>
           <a:xfrm>
-            <a:off x="5410200" y="677786"/>
+            <a:off x="6096000" y="667742"/>
             <a:ext cx="1918057" cy="2819400"/>
           </a:xfrm>
           <a:prstGeom prst="rect">
             <a:avLst/>
           </a:prstGeom>
+          <a:ln>
+            <a:solidFill>
+              <a:srgbClr val="404040"/>
+            </a:solidFill>
+          </a:ln>
         </p:spPr>
+        <p:style>
+          <a:lnRef idx="2">
+            <a:schemeClr val="dk1"/>
+          </a:lnRef>
+          <a:fillRef idx="1">
+            <a:schemeClr val="lt1"/>
+          </a:fillRef>
+          <a:effectRef idx="0">
+            <a:schemeClr val="dk1"/>
+          </a:effectRef>
+          <a:fontRef idx="minor">
+            <a:schemeClr val="dk1"/>
+          </a:fontRef>
+        </p:style>
       </p:pic>
     </p:spTree>
     <p:custDataLst>
@@ -10916,43 +11596,6 @@
       </p:grpSpPr>
       <p:sp>
         <p:nvSpPr>
-          <p:cNvPr id="13" name="Rectangle 12">
-            <a:extLst>
-              <a:ext uri="{FF2B5EF4-FFF2-40B4-BE49-F238E27FC236}">
-                <a16:creationId xmlns:a16="http://schemas.microsoft.com/office/drawing/2014/main" id="{811ECB3D-F210-4362-9B3C-15DF813E9908}"/>
-              </a:ext>
-            </a:extLst>
-          </p:cNvPr>
-          <p:cNvSpPr/>
-          <p:nvPr/>
-        </p:nvSpPr>
-        <p:spPr>
-          <a:xfrm>
-            <a:off x="3875278" y="1219200"/>
-            <a:ext cx="5105400" cy="307777"/>
-          </a:xfrm>
-          <a:prstGeom prst="rect">
-            <a:avLst/>
-          </a:prstGeom>
-        </p:spPr>
-        <p:txBody>
-          <a:bodyPr wrap="square">
-            <a:spAutoFit/>
-          </a:bodyPr>
-          <a:lstStyle/>
-          <a:p>
-            <a:r>
-              <a:rPr lang="en-US" sz="1400" dirty="0">
-                <a:hlinkClick r:id="rId3"/>
-              </a:rPr>
-              <a:t>https://supermariogiacomazzo.github.io/STOR320_WEBSITE/</a:t>
-            </a:r>
-            <a:endParaRPr lang="en-US" sz="1400" dirty="0"/>
-          </a:p>
-        </p:txBody>
-      </p:sp>
-      <p:sp>
-        <p:nvSpPr>
           <p:cNvPr id="15" name="Rectangle 12">
             <a:extLst>
               <a:ext uri="{FF2B5EF4-FFF2-40B4-BE49-F238E27FC236}">
@@ -11095,7 +11738,7 @@
           <p:nvPr/>
         </p:nvPicPr>
         <p:blipFill rotWithShape="1">
-          <a:blip r:embed="rId4"/>
+          <a:blip r:embed="rId3"/>
           <a:srcRect l="8000" r="9400"/>
           <a:stretch/>
         </p:blipFill>
@@ -11517,15 +12160,38 @@
               <a:buChar char="•"/>
             </a:pPr>
             <a:r>
-              <a:rPr lang="en-US" sz="2000" dirty="0">
+              <a:rPr lang="en-US" sz="2400" dirty="0">
                 <a:solidFill>
                   <a:srgbClr val="404040"/>
                 </a:solidFill>
                 <a:ea typeface="+mn-ea"/>
                 <a:cs typeface="+mn-cs"/>
+                <a:hlinkClick r:id="rId4"/>
               </a:rPr>
               <a:t>Course Website and Syllabus</a:t>
             </a:r>
+            <a:endParaRPr lang="en-US" sz="2400" dirty="0">
+              <a:solidFill>
+                <a:srgbClr val="404040"/>
+              </a:solidFill>
+              <a:ea typeface="+mn-ea"/>
+              <a:cs typeface="+mn-cs"/>
+            </a:endParaRPr>
+          </a:p>
+          <a:p>
+            <a:pPr marL="114300" indent="0" defTabSz="914400" eaLnBrk="1" hangingPunct="1">
+              <a:lnSpc>
+                <a:spcPct val="90000"/>
+              </a:lnSpc>
+              <a:buNone/>
+            </a:pPr>
+            <a:endParaRPr lang="en-US" sz="2400" dirty="0">
+              <a:solidFill>
+                <a:srgbClr val="404040"/>
+              </a:solidFill>
+              <a:ea typeface="+mn-ea"/>
+              <a:cs typeface="+mn-cs"/>
+            </a:endParaRPr>
           </a:p>
           <a:p>
             <a:pPr indent="-228600" defTabSz="914400" eaLnBrk="1" hangingPunct="1">
@@ -11535,7 +12201,25 @@
               <a:buFont typeface="Arial" panose="020B0604020202020204" pitchFamily="34" charset="0"/>
               <a:buChar char="•"/>
             </a:pPr>
-            <a:endParaRPr lang="en-US" sz="2000" dirty="0">
+            <a:r>
+              <a:rPr lang="en-US" sz="2400" dirty="0">
+                <a:solidFill>
+                  <a:srgbClr val="404040"/>
+                </a:solidFill>
+                <a:ea typeface="+mn-ea"/>
+                <a:cs typeface="+mn-cs"/>
+              </a:rPr>
+              <a:t>In-Class Coding</a:t>
+            </a:r>
+          </a:p>
+          <a:p>
+            <a:pPr marL="114300" indent="0" defTabSz="914400" eaLnBrk="1" hangingPunct="1">
+              <a:lnSpc>
+                <a:spcPct val="90000"/>
+              </a:lnSpc>
+              <a:buNone/>
+            </a:pPr>
+            <a:endParaRPr lang="en-US" sz="2400" dirty="0">
               <a:solidFill>
                 <a:srgbClr val="404040"/>
               </a:solidFill>
@@ -11551,7 +12235,62 @@
               <a:buFont typeface="Arial" panose="020B0604020202020204" pitchFamily="34" charset="0"/>
               <a:buChar char="•"/>
             </a:pPr>
-            <a:endParaRPr lang="en-US" sz="2000" dirty="0">
+            <a:r>
+              <a:rPr lang="en-US" sz="2400" dirty="0">
+                <a:solidFill>
+                  <a:srgbClr val="404040"/>
+                </a:solidFill>
+                <a:ea typeface="+mn-ea"/>
+                <a:cs typeface="+mn-cs"/>
+              </a:rPr>
+              <a:t>Weekly Assignments</a:t>
+            </a:r>
+          </a:p>
+          <a:p>
+            <a:pPr lvl="1" indent="-228600" defTabSz="914400" eaLnBrk="1" hangingPunct="1">
+              <a:lnSpc>
+                <a:spcPct val="90000"/>
+              </a:lnSpc>
+              <a:buFont typeface="Arial" panose="020B0604020202020204" pitchFamily="34" charset="0"/>
+              <a:buChar char="•"/>
+            </a:pPr>
+            <a:r>
+              <a:rPr lang="en-US" sz="2400" dirty="0">
+                <a:solidFill>
+                  <a:srgbClr val="404040"/>
+                </a:solidFill>
+                <a:ea typeface="+mn-ea"/>
+              </a:rPr>
+              <a:t>Labs</a:t>
+            </a:r>
+          </a:p>
+          <a:p>
+            <a:pPr lvl="1" indent="-228600" defTabSz="914400" eaLnBrk="1" hangingPunct="1">
+              <a:lnSpc>
+                <a:spcPct val="90000"/>
+              </a:lnSpc>
+              <a:buFont typeface="Arial" panose="020B0604020202020204" pitchFamily="34" charset="0"/>
+              <a:buChar char="•"/>
+            </a:pPr>
+            <a:r>
+              <a:rPr lang="en-US" sz="2400" dirty="0">
+                <a:solidFill>
+                  <a:srgbClr val="404040"/>
+                </a:solidFill>
+                <a:ea typeface="+mn-ea"/>
+                <a:cs typeface="+mn-cs"/>
+              </a:rPr>
+              <a:t>Data Analyses</a:t>
+            </a:r>
+          </a:p>
+          <a:p>
+            <a:pPr marL="514350" lvl="1" indent="0" defTabSz="914400" eaLnBrk="1" hangingPunct="1">
+              <a:lnSpc>
+                <a:spcPct val="90000"/>
+              </a:lnSpc>
+              <a:buNone/>
+            </a:pPr>
+            <a:endParaRPr lang="en-US" sz="2400" dirty="0">
               <a:solidFill>
                 <a:srgbClr val="404040"/>
               </a:solidFill>
@@ -11568,49 +12307,32 @@
               <a:buChar char="•"/>
             </a:pPr>
             <a:r>
-              <a:rPr lang="en-US" sz="2000" dirty="0">
+              <a:rPr lang="en-US" sz="2400" dirty="0">
                 <a:solidFill>
                   <a:srgbClr val="404040"/>
                 </a:solidFill>
                 <a:ea typeface="+mn-ea"/>
                 <a:cs typeface="+mn-cs"/>
               </a:rPr>
-              <a:t>In-Class Coding</a:t>
-            </a:r>
-          </a:p>
-          <a:p>
-            <a:pPr marL="114300" indent="0" defTabSz="914400" eaLnBrk="1" hangingPunct="1">
-              <a:lnSpc>
-                <a:spcPct val="90000"/>
-              </a:lnSpc>
-              <a:buNone/>
-            </a:pPr>
-            <a:endParaRPr lang="en-US" sz="2000" dirty="0">
+              <a:t>Learn and Use </a:t>
+            </a:r>
+            <a:r>
+              <a:rPr lang="en-US" sz="2400" dirty="0" err="1">
+                <a:solidFill>
+                  <a:srgbClr val="404040"/>
+                </a:solidFill>
+                <a:ea typeface="+mn-ea"/>
+                <a:cs typeface="+mn-cs"/>
+              </a:rPr>
+              <a:t>Rmarkdown</a:t>
+            </a:r>
+            <a:endParaRPr lang="en-US" sz="2400" dirty="0">
               <a:solidFill>
                 <a:srgbClr val="404040"/>
               </a:solidFill>
               <a:ea typeface="+mn-ea"/>
               <a:cs typeface="+mn-cs"/>
             </a:endParaRPr>
-          </a:p>
-          <a:p>
-            <a:pPr indent="-228600" defTabSz="914400" eaLnBrk="1" hangingPunct="1">
-              <a:lnSpc>
-                <a:spcPct val="90000"/>
-              </a:lnSpc>
-              <a:buFont typeface="Arial" panose="020B0604020202020204" pitchFamily="34" charset="0"/>
-              <a:buChar char="•"/>
-            </a:pPr>
-            <a:r>
-              <a:rPr lang="en-US" sz="2000" dirty="0">
-                <a:solidFill>
-                  <a:srgbClr val="404040"/>
-                </a:solidFill>
-                <a:ea typeface="+mn-ea"/>
-                <a:cs typeface="+mn-cs"/>
-              </a:rPr>
-              <a:t>Weekly Assignments</a:t>
-            </a:r>
           </a:p>
           <a:p>
             <a:pPr lvl="1" indent="-228600" defTabSz="914400" eaLnBrk="1" hangingPunct="1">
@@ -11621,13 +12343,13 @@
               <a:buChar char="•"/>
             </a:pPr>
             <a:r>
-              <a:rPr lang="en-US" sz="1600" dirty="0">
+              <a:rPr lang="en-US" sz="2400" dirty="0">
                 <a:solidFill>
                   <a:srgbClr val="404040"/>
                 </a:solidFill>
                 <a:ea typeface="+mn-ea"/>
               </a:rPr>
-              <a:t>Labs</a:t>
+              <a:t>Submit through Sakai</a:t>
             </a:r>
           </a:p>
           <a:p>
@@ -11639,219 +12361,15 @@
               <a:buChar char="•"/>
             </a:pPr>
             <a:r>
-              <a:rPr lang="en-US" sz="1600" dirty="0">
+              <a:rPr lang="en-US" sz="2400" dirty="0">
                 <a:solidFill>
                   <a:srgbClr val="404040"/>
                 </a:solidFill>
                 <a:ea typeface="+mn-ea"/>
                 <a:cs typeface="+mn-cs"/>
               </a:rPr>
-              <a:t>Data Analyses</a:t>
-            </a:r>
-          </a:p>
-          <a:p>
-            <a:pPr marL="514350" lvl="1" indent="0" defTabSz="914400" eaLnBrk="1" hangingPunct="1">
-              <a:lnSpc>
-                <a:spcPct val="90000"/>
-              </a:lnSpc>
-              <a:buNone/>
-            </a:pPr>
-            <a:endParaRPr lang="en-US" sz="1600" dirty="0">
-              <a:solidFill>
-                <a:srgbClr val="404040"/>
-              </a:solidFill>
-              <a:ea typeface="+mn-ea"/>
-              <a:cs typeface="+mn-cs"/>
-            </a:endParaRPr>
-          </a:p>
-          <a:p>
-            <a:pPr indent="-228600" defTabSz="914400" eaLnBrk="1" hangingPunct="1">
-              <a:lnSpc>
-                <a:spcPct val="90000"/>
-              </a:lnSpc>
-              <a:buFont typeface="Arial" panose="020B0604020202020204" pitchFamily="34" charset="0"/>
-              <a:buChar char="•"/>
-            </a:pPr>
-            <a:r>
-              <a:rPr lang="en-US" sz="2000" dirty="0">
-                <a:solidFill>
-                  <a:srgbClr val="404040"/>
-                </a:solidFill>
-                <a:ea typeface="+mn-ea"/>
-                <a:cs typeface="+mn-cs"/>
-              </a:rPr>
-              <a:t>Learn and Use </a:t>
-            </a:r>
-            <a:r>
-              <a:rPr lang="en-US" sz="2000" dirty="0" err="1">
-                <a:solidFill>
-                  <a:srgbClr val="404040"/>
-                </a:solidFill>
-                <a:ea typeface="+mn-ea"/>
-                <a:cs typeface="+mn-cs"/>
-              </a:rPr>
-              <a:t>Rmarkdown</a:t>
-            </a:r>
-            <a:endParaRPr lang="en-US" sz="2000" dirty="0">
-              <a:solidFill>
-                <a:srgbClr val="404040"/>
-              </a:solidFill>
-              <a:ea typeface="+mn-ea"/>
-              <a:cs typeface="+mn-cs"/>
-            </a:endParaRPr>
-          </a:p>
-          <a:p>
-            <a:pPr lvl="1" indent="-228600" defTabSz="914400" eaLnBrk="1" hangingPunct="1">
-              <a:lnSpc>
-                <a:spcPct val="90000"/>
-              </a:lnSpc>
-              <a:buFont typeface="Arial" panose="020B0604020202020204" pitchFamily="34" charset="0"/>
-              <a:buChar char="•"/>
-            </a:pPr>
-            <a:r>
-              <a:rPr lang="en-US" sz="1600" dirty="0">
-                <a:solidFill>
-                  <a:srgbClr val="404040"/>
-                </a:solidFill>
-                <a:ea typeface="+mn-ea"/>
-              </a:rPr>
-              <a:t>Submit Assignments through Sakai</a:t>
-            </a:r>
-          </a:p>
-          <a:p>
-            <a:pPr lvl="1" indent="-228600" defTabSz="914400" eaLnBrk="1" hangingPunct="1">
-              <a:lnSpc>
-                <a:spcPct val="90000"/>
-              </a:lnSpc>
-              <a:buFont typeface="Arial" panose="020B0604020202020204" pitchFamily="34" charset="0"/>
-              <a:buChar char="•"/>
-            </a:pPr>
-            <a:r>
-              <a:rPr lang="en-US" sz="1600" dirty="0">
-                <a:solidFill>
-                  <a:srgbClr val="404040"/>
-                </a:solidFill>
-                <a:ea typeface="+mn-ea"/>
-                <a:cs typeface="+mn-cs"/>
-              </a:rPr>
-              <a:t>Submit as html Files</a:t>
-            </a:r>
-          </a:p>
-          <a:p>
-            <a:pPr lvl="1" indent="-228600" defTabSz="914400" eaLnBrk="1" hangingPunct="1">
-              <a:lnSpc>
-                <a:spcPct val="90000"/>
-              </a:lnSpc>
-              <a:buFont typeface="Arial" panose="020B0604020202020204" pitchFamily="34" charset="0"/>
-              <a:buChar char="•"/>
-            </a:pPr>
-            <a:endParaRPr lang="en-US" sz="1600" dirty="0">
-              <a:solidFill>
-                <a:srgbClr val="404040"/>
-              </a:solidFill>
-              <a:ea typeface="+mn-ea"/>
-              <a:cs typeface="+mn-cs"/>
-            </a:endParaRPr>
-          </a:p>
-          <a:p>
-            <a:pPr indent="-228600" defTabSz="914400" eaLnBrk="1" hangingPunct="1">
-              <a:lnSpc>
-                <a:spcPct val="90000"/>
-              </a:lnSpc>
-              <a:buFont typeface="Arial" panose="020B0604020202020204" pitchFamily="34" charset="0"/>
-              <a:buChar char="•"/>
-            </a:pPr>
-            <a:r>
-              <a:rPr lang="en-US" sz="2000" dirty="0">
-                <a:solidFill>
-                  <a:srgbClr val="404040"/>
-                </a:solidFill>
-                <a:ea typeface="+mn-ea"/>
-                <a:cs typeface="+mn-cs"/>
-              </a:rPr>
-              <a:t>Develop Skills that Turn into $$$</a:t>
-            </a:r>
-          </a:p>
-          <a:p>
-            <a:pPr lvl="1" indent="-228600" defTabSz="914400" eaLnBrk="1" hangingPunct="1">
-              <a:lnSpc>
-                <a:spcPct val="90000"/>
-              </a:lnSpc>
-              <a:buFont typeface="Arial" panose="020B0604020202020204" pitchFamily="34" charset="0"/>
-              <a:buChar char="•"/>
-            </a:pPr>
-            <a:r>
-              <a:rPr lang="en-US" sz="1600" dirty="0">
-                <a:solidFill>
-                  <a:srgbClr val="404040"/>
-                </a:solidFill>
-                <a:ea typeface="+mn-ea"/>
-              </a:rPr>
-              <a:t>Computer Programming</a:t>
-            </a:r>
-          </a:p>
-          <a:p>
-            <a:pPr lvl="1" indent="-228600" defTabSz="914400" eaLnBrk="1" hangingPunct="1">
-              <a:lnSpc>
-                <a:spcPct val="90000"/>
-              </a:lnSpc>
-              <a:buFont typeface="Arial" panose="020B0604020202020204" pitchFamily="34" charset="0"/>
-              <a:buChar char="•"/>
-            </a:pPr>
-            <a:r>
-              <a:rPr lang="en-US" sz="1600" dirty="0">
-                <a:solidFill>
-                  <a:srgbClr val="404040"/>
-                </a:solidFill>
-                <a:ea typeface="+mn-ea"/>
-                <a:cs typeface="+mn-cs"/>
-              </a:rPr>
-              <a:t>Statistical Analyses</a:t>
-            </a:r>
-          </a:p>
-          <a:p>
-            <a:pPr lvl="1" indent="-228600" defTabSz="914400" eaLnBrk="1" hangingPunct="1">
-              <a:lnSpc>
-                <a:spcPct val="90000"/>
-              </a:lnSpc>
-              <a:buFont typeface="Arial" panose="020B0604020202020204" pitchFamily="34" charset="0"/>
-              <a:buChar char="•"/>
-            </a:pPr>
-            <a:r>
-              <a:rPr lang="en-US" sz="1600" dirty="0">
-                <a:solidFill>
-                  <a:srgbClr val="404040"/>
-                </a:solidFill>
-                <a:ea typeface="+mn-ea"/>
-                <a:cs typeface="+mn-cs"/>
-              </a:rPr>
-              <a:t>Written and Verbal Communication Skills</a:t>
-            </a:r>
-          </a:p>
-          <a:p>
-            <a:pPr lvl="1" indent="-228600" defTabSz="914400" eaLnBrk="1" hangingPunct="1">
-              <a:lnSpc>
-                <a:spcPct val="90000"/>
-              </a:lnSpc>
-              <a:buFont typeface="Arial" panose="020B0604020202020204" pitchFamily="34" charset="0"/>
-              <a:buChar char="•"/>
-            </a:pPr>
-            <a:r>
-              <a:rPr lang="en-US" sz="1600" dirty="0">
-                <a:solidFill>
-                  <a:srgbClr val="404040"/>
-                </a:solidFill>
-                <a:ea typeface="+mn-ea"/>
-              </a:rPr>
-              <a:t>Creativity and Innovation</a:t>
-            </a:r>
-            <a:endParaRPr lang="en-US" sz="2000" dirty="0">
-              <a:solidFill>
-                <a:srgbClr val="404040"/>
-              </a:solidFill>
-              <a:ea typeface="+mn-ea"/>
-              <a:cs typeface="+mn-cs"/>
-            </a:endParaRPr>
+              <a:t>Submit as HTML Files</a:t>
+            </a:r>
           </a:p>
         </p:txBody>
       </p:sp>
@@ -12004,7 +12522,7 @@
                 <a:ea typeface="+mj-ea"/>
                 <a:cs typeface="+mj-cs"/>
               </a:rPr>
-              <a:t>What Should I Do</a:t>
+              <a:t>What will </a:t>
             </a:r>
             <a:r>
               <a:rPr lang="en-US" sz="2400" dirty="0">
@@ -12014,7 +12532,7 @@
                 <a:ea typeface="+mj-ea"/>
                 <a:cs typeface="+mj-cs"/>
               </a:rPr>
-              <a:t>?</a:t>
+              <a:t>We Do?</a:t>
             </a:r>
             <a:endParaRPr lang="en-US" sz="2400" kern="1200" dirty="0">
               <a:solidFill>
@@ -12289,8 +12807,8 @@
         </p:nvSpPr>
         <p:spPr bwMode="auto">
           <a:xfrm>
-            <a:off x="3962400" y="675484"/>
-            <a:ext cx="4851400" cy="5953916"/>
+            <a:off x="3962400" y="795866"/>
+            <a:ext cx="4851400" cy="5833533"/>
           </a:xfrm>
           <a:prstGeom prst="rect">
             <a:avLst/>
@@ -12464,99 +12982,14 @@
               <a:buChar char="•"/>
             </a:pPr>
             <a:r>
-              <a:rPr lang="en-US" sz="2000" dirty="0">
+              <a:rPr lang="en-US" sz="2400" dirty="0">
                 <a:solidFill>
                   <a:srgbClr val="404040"/>
                 </a:solidFill>
                 <a:ea typeface="+mn-ea"/>
                 <a:cs typeface="+mn-cs"/>
               </a:rPr>
-              <a:t>Install R on Your Laptop</a:t>
-            </a:r>
-            <a:endParaRPr lang="en-US" sz="1600" dirty="0">
-              <a:solidFill>
-                <a:srgbClr val="404040"/>
-              </a:solidFill>
-              <a:ea typeface="+mn-ea"/>
-              <a:hlinkClick r:id="rId4"/>
-            </a:endParaRPr>
-          </a:p>
-          <a:p>
-            <a:pPr marL="514350" lvl="1" indent="0" defTabSz="914400" eaLnBrk="1" hangingPunct="1">
-              <a:lnSpc>
-                <a:spcPct val="90000"/>
-              </a:lnSpc>
-              <a:buNone/>
-            </a:pPr>
-            <a:r>
-              <a:rPr lang="en-US" sz="1600" dirty="0">
-                <a:solidFill>
-                  <a:srgbClr val="404040"/>
-                </a:solidFill>
-                <a:ea typeface="+mn-ea"/>
-                <a:hlinkClick r:id="rId4"/>
-              </a:rPr>
-              <a:t>https://cran.r-project.org/</a:t>
-            </a:r>
-            <a:endParaRPr lang="en-US" sz="1600" dirty="0">
-              <a:solidFill>
-                <a:srgbClr val="404040"/>
-              </a:solidFill>
-              <a:ea typeface="+mn-ea"/>
-            </a:endParaRPr>
-          </a:p>
-          <a:p>
-            <a:pPr marL="514350" lvl="1" indent="0" defTabSz="914400" eaLnBrk="1" hangingPunct="1">
-              <a:lnSpc>
-                <a:spcPct val="90000"/>
-              </a:lnSpc>
-              <a:buNone/>
-            </a:pPr>
-            <a:endParaRPr lang="en-US" sz="2000" dirty="0">
-              <a:solidFill>
-                <a:srgbClr val="404040"/>
-              </a:solidFill>
-              <a:ea typeface="+mn-ea"/>
-              <a:cs typeface="+mn-cs"/>
-            </a:endParaRPr>
-          </a:p>
-          <a:p>
-            <a:pPr indent="-228600" defTabSz="914400" eaLnBrk="1" hangingPunct="1">
-              <a:lnSpc>
-                <a:spcPct val="90000"/>
-              </a:lnSpc>
-              <a:buFont typeface="Arial" panose="020B0604020202020204" pitchFamily="34" charset="0"/>
-              <a:buChar char="•"/>
-            </a:pPr>
-            <a:r>
-              <a:rPr lang="en-US" sz="2000" dirty="0">
-                <a:solidFill>
-                  <a:srgbClr val="404040"/>
-                </a:solidFill>
-                <a:ea typeface="+mn-ea"/>
-                <a:cs typeface="+mn-cs"/>
-              </a:rPr>
-              <a:t>Install </a:t>
-            </a:r>
-            <a:r>
-              <a:rPr lang="en-US" sz="2000" dirty="0" err="1">
-                <a:solidFill>
-                  <a:srgbClr val="404040"/>
-                </a:solidFill>
-                <a:ea typeface="+mn-ea"/>
-                <a:cs typeface="+mn-cs"/>
-              </a:rPr>
-              <a:t>Rstudio</a:t>
-            </a:r>
-            <a:r>
-              <a:rPr lang="en-US" sz="2000" dirty="0">
-                <a:solidFill>
-                  <a:srgbClr val="404040"/>
-                </a:solidFill>
-                <a:ea typeface="+mn-ea"/>
-                <a:cs typeface="+mn-cs"/>
-              </a:rPr>
-              <a:t> Desktop on Your Laptop</a:t>
+              <a:t>Develop Skills that Turn into $$$</a:t>
             </a:r>
           </a:p>
           <a:p>
@@ -12568,53 +13001,13 @@
               <a:buChar char="•"/>
             </a:pPr>
             <a:r>
-              <a:rPr lang="en-US" sz="1600" dirty="0">
+              <a:rPr lang="en-US" sz="2400" dirty="0">
                 <a:solidFill>
                   <a:srgbClr val="404040"/>
                 </a:solidFill>
                 <a:ea typeface="+mn-ea"/>
-                <a:hlinkClick r:id="rId5"/>
               </a:rPr>
-              <a:t>https://www.rstudio.com/products/rstudio/#Desktop</a:t>
-            </a:r>
-            <a:endParaRPr lang="en-US" sz="1600" dirty="0">
-              <a:solidFill>
-                <a:srgbClr val="404040"/>
-              </a:solidFill>
-              <a:ea typeface="+mn-ea"/>
-            </a:endParaRPr>
-          </a:p>
-          <a:p>
-            <a:pPr marL="514350" lvl="1" indent="0" defTabSz="914400" eaLnBrk="1" hangingPunct="1">
-              <a:lnSpc>
-                <a:spcPct val="90000"/>
-              </a:lnSpc>
-              <a:buNone/>
-            </a:pPr>
-            <a:endParaRPr lang="en-US" sz="1600" dirty="0">
-              <a:solidFill>
-                <a:srgbClr val="404040"/>
-              </a:solidFill>
-              <a:ea typeface="+mn-ea"/>
-            </a:endParaRPr>
-          </a:p>
-          <a:p>
-            <a:pPr indent="-228600" defTabSz="914400" eaLnBrk="1" hangingPunct="1">
-              <a:lnSpc>
-                <a:spcPct val="90000"/>
-              </a:lnSpc>
-              <a:buFont typeface="Arial" panose="020B0604020202020204" pitchFamily="34" charset="0"/>
-              <a:buChar char="•"/>
-            </a:pPr>
-            <a:r>
-              <a:rPr lang="en-US" sz="2000" dirty="0">
-                <a:solidFill>
-                  <a:srgbClr val="404040"/>
-                </a:solidFill>
-                <a:ea typeface="+mn-ea"/>
-                <a:cs typeface="+mn-cs"/>
-              </a:rPr>
-              <a:t> Download the Textbooks</a:t>
+              <a:t>Computer Programming</a:t>
             </a:r>
           </a:p>
           <a:p>
@@ -12626,23 +13019,15 @@
               <a:buChar char="•"/>
             </a:pPr>
             <a:r>
-              <a:rPr lang="en-US" sz="1600" dirty="0">
+              <a:rPr lang="en-US" sz="2400" dirty="0">
                 <a:solidFill>
                   <a:srgbClr val="404040"/>
                 </a:solidFill>
                 <a:ea typeface="+mn-ea"/>
                 <a:cs typeface="+mn-cs"/>
-                <a:hlinkClick r:id="rId6"/>
               </a:rPr>
-              <a:t>R4DS</a:t>
-            </a:r>
-            <a:endParaRPr lang="en-US" sz="1600" dirty="0">
-              <a:solidFill>
-                <a:srgbClr val="404040"/>
-              </a:solidFill>
-              <a:ea typeface="+mn-ea"/>
-              <a:cs typeface="+mn-cs"/>
-            </a:endParaRPr>
+              <a:t>Statistical Analyses</a:t>
+            </a:r>
           </a:p>
           <a:p>
             <a:pPr lvl="1" indent="-228600" defTabSz="914400" eaLnBrk="1" hangingPunct="1">
@@ -12653,21 +13038,15 @@
               <a:buChar char="•"/>
             </a:pPr>
             <a:r>
-              <a:rPr lang="en-US" sz="1600" dirty="0">
+              <a:rPr lang="en-US" sz="2400" dirty="0">
                 <a:solidFill>
                   <a:srgbClr val="404040"/>
                 </a:solidFill>
                 <a:ea typeface="+mn-ea"/>
-                <a:hlinkClick r:id="rId7"/>
+                <a:cs typeface="+mn-cs"/>
               </a:rPr>
-              <a:t>RP4DS</a:t>
-            </a:r>
-            <a:endParaRPr lang="en-US" sz="1600" dirty="0">
-              <a:solidFill>
-                <a:srgbClr val="404040"/>
-              </a:solidFill>
-              <a:ea typeface="+mn-ea"/>
-            </a:endParaRPr>
+              <a:t>Written and Verbal Communication Skills</a:t>
+            </a:r>
           </a:p>
           <a:p>
             <a:pPr lvl="1" indent="-228600" defTabSz="914400" eaLnBrk="1" hangingPunct="1">
@@ -12678,16 +13057,15 @@
               <a:buChar char="•"/>
             </a:pPr>
             <a:r>
-              <a:rPr lang="en-US" sz="1600" dirty="0">
+              <a:rPr lang="en-US" sz="2400" dirty="0">
                 <a:solidFill>
                   <a:srgbClr val="404040"/>
                 </a:solidFill>
                 <a:ea typeface="+mn-ea"/>
-                <a:hlinkClick r:id="rId8"/>
               </a:rPr>
-              <a:t>AoRP</a:t>
-            </a:r>
-            <a:endParaRPr lang="en-US" sz="1600" dirty="0">
+              <a:t>Creativity and Innovation</a:t>
+            </a:r>
+            <a:endParaRPr lang="en-US" sz="2400" dirty="0">
               <a:solidFill>
                 <a:srgbClr val="404040"/>
               </a:solidFill>
@@ -12695,303 +13073,6 @@
               <a:cs typeface="+mn-cs"/>
             </a:endParaRPr>
           </a:p>
-          <a:p>
-            <a:pPr marL="514350" lvl="1" indent="0" defTabSz="914400" eaLnBrk="1" hangingPunct="1">
-              <a:lnSpc>
-                <a:spcPct val="90000"/>
-              </a:lnSpc>
-              <a:buNone/>
-            </a:pPr>
-            <a:endParaRPr lang="en-US" sz="1600" dirty="0">
-              <a:solidFill>
-                <a:srgbClr val="404040"/>
-              </a:solidFill>
-              <a:ea typeface="+mn-ea"/>
-              <a:cs typeface="+mn-cs"/>
-            </a:endParaRPr>
-          </a:p>
-          <a:p>
-            <a:pPr indent="-228600" defTabSz="914400" eaLnBrk="1" hangingPunct="1">
-              <a:lnSpc>
-                <a:spcPct val="90000"/>
-              </a:lnSpc>
-              <a:buFont typeface="Arial" panose="020B0604020202020204" pitchFamily="34" charset="0"/>
-              <a:buChar char="•"/>
-            </a:pPr>
-            <a:r>
-              <a:rPr lang="en-US" sz="2000" dirty="0">
-                <a:solidFill>
-                  <a:srgbClr val="404040"/>
-                </a:solidFill>
-                <a:ea typeface="+mn-ea"/>
-                <a:cs typeface="+mn-cs"/>
-              </a:rPr>
-              <a:t>Read the Introduction to R4DS</a:t>
-            </a:r>
-          </a:p>
-          <a:p>
-            <a:pPr indent="-228600" defTabSz="914400" eaLnBrk="1" hangingPunct="1">
-              <a:lnSpc>
-                <a:spcPct val="90000"/>
-              </a:lnSpc>
-              <a:buFont typeface="Arial" panose="020B0604020202020204" pitchFamily="34" charset="0"/>
-              <a:buChar char="•"/>
-            </a:pPr>
-            <a:endParaRPr lang="en-US" sz="2000" dirty="0">
-              <a:solidFill>
-                <a:srgbClr val="404040"/>
-              </a:solidFill>
-              <a:ea typeface="+mn-ea"/>
-              <a:cs typeface="+mn-cs"/>
-            </a:endParaRPr>
-          </a:p>
-          <a:p>
-            <a:pPr indent="-228600" defTabSz="914400" eaLnBrk="1" hangingPunct="1">
-              <a:lnSpc>
-                <a:spcPct val="90000"/>
-              </a:lnSpc>
-              <a:buFont typeface="Arial" panose="020B0604020202020204" pitchFamily="34" charset="0"/>
-              <a:buChar char="•"/>
-            </a:pPr>
-            <a:r>
-              <a:rPr lang="en-US" sz="2000" dirty="0">
-                <a:solidFill>
-                  <a:srgbClr val="404040"/>
-                </a:solidFill>
-                <a:ea typeface="+mn-ea"/>
-                <a:cs typeface="+mn-cs"/>
-              </a:rPr>
-              <a:t>Practice Programming with R Scripts</a:t>
-            </a:r>
-          </a:p>
-          <a:p>
-            <a:pPr lvl="1" indent="-228600" defTabSz="914400" eaLnBrk="1" hangingPunct="1">
-              <a:lnSpc>
-                <a:spcPct val="90000"/>
-              </a:lnSpc>
-              <a:buFont typeface="Arial" panose="020B0604020202020204" pitchFamily="34" charset="0"/>
-              <a:buChar char="•"/>
-            </a:pPr>
-            <a:r>
-              <a:rPr lang="en-US" sz="1600" dirty="0">
-                <a:solidFill>
-                  <a:srgbClr val="404040"/>
-                </a:solidFill>
-                <a:ea typeface="+mn-ea"/>
-                <a:cs typeface="+mn-cs"/>
-              </a:rPr>
-              <a:t>10 minutes a day in RP4DS or </a:t>
-            </a:r>
-            <a:r>
-              <a:rPr lang="en-US" sz="1600" dirty="0">
-                <a:solidFill>
-                  <a:srgbClr val="404040"/>
-                </a:solidFill>
-                <a:ea typeface="+mn-ea"/>
-              </a:rPr>
-              <a:t>AoRP</a:t>
-            </a:r>
-          </a:p>
-          <a:p>
-            <a:pPr marL="514350" lvl="1" indent="0" defTabSz="914400" eaLnBrk="1" hangingPunct="1">
-              <a:lnSpc>
-                <a:spcPct val="90000"/>
-              </a:lnSpc>
-              <a:buNone/>
-            </a:pPr>
-            <a:endParaRPr lang="en-US" sz="1600" dirty="0">
-              <a:solidFill>
-                <a:srgbClr val="404040"/>
-              </a:solidFill>
-              <a:ea typeface="+mn-ea"/>
-            </a:endParaRPr>
-          </a:p>
-          <a:p>
-            <a:pPr indent="-228600" defTabSz="914400" eaLnBrk="1" hangingPunct="1">
-              <a:lnSpc>
-                <a:spcPct val="90000"/>
-              </a:lnSpc>
-              <a:buFont typeface="Arial" panose="020B0604020202020204" pitchFamily="34" charset="0"/>
-              <a:buChar char="•"/>
-            </a:pPr>
-            <a:r>
-              <a:rPr lang="en-US" sz="2000" dirty="0">
-                <a:solidFill>
-                  <a:srgbClr val="404040"/>
-                </a:solidFill>
-                <a:ea typeface="+mn-ea"/>
-                <a:cs typeface="+mn-cs"/>
-              </a:rPr>
-              <a:t>Run Your First </a:t>
-            </a:r>
-            <a:r>
-              <a:rPr lang="en-US" sz="2000" dirty="0" err="1">
-                <a:solidFill>
-                  <a:srgbClr val="404040"/>
-                </a:solidFill>
-                <a:ea typeface="+mn-ea"/>
-                <a:cs typeface="+mn-cs"/>
-              </a:rPr>
-              <a:t>RMarkdown</a:t>
-            </a:r>
-            <a:r>
-              <a:rPr lang="en-US" sz="2000" dirty="0">
-                <a:solidFill>
-                  <a:srgbClr val="404040"/>
-                </a:solidFill>
-                <a:ea typeface="+mn-ea"/>
-                <a:cs typeface="+mn-cs"/>
-              </a:rPr>
-              <a:t> File</a:t>
-            </a:r>
-          </a:p>
-          <a:p>
-            <a:pPr lvl="1" indent="-228600" defTabSz="914400" eaLnBrk="1" hangingPunct="1">
-              <a:lnSpc>
-                <a:spcPct val="90000"/>
-              </a:lnSpc>
-              <a:buFont typeface="Arial" panose="020B0604020202020204" pitchFamily="34" charset="0"/>
-              <a:buChar char="•"/>
-            </a:pPr>
-            <a:r>
-              <a:rPr lang="en-US" sz="1600" dirty="0">
-                <a:solidFill>
-                  <a:srgbClr val="404040"/>
-                </a:solidFill>
-                <a:ea typeface="+mn-ea"/>
-                <a:hlinkClick r:id="rId9"/>
-              </a:rPr>
-              <a:t>https://rmarkdown.rstudio.com/lesson-1.html</a:t>
-            </a:r>
-            <a:endParaRPr lang="en-US" sz="1600" dirty="0">
-              <a:solidFill>
-                <a:srgbClr val="404040"/>
-              </a:solidFill>
-              <a:ea typeface="+mn-ea"/>
-            </a:endParaRPr>
-          </a:p>
-          <a:p>
-            <a:pPr lvl="1" indent="-228600" defTabSz="914400" eaLnBrk="1" hangingPunct="1">
-              <a:lnSpc>
-                <a:spcPct val="90000"/>
-              </a:lnSpc>
-              <a:buFont typeface="Arial" panose="020B0604020202020204" pitchFamily="34" charset="0"/>
-              <a:buChar char="•"/>
-            </a:pPr>
-            <a:r>
-              <a:rPr lang="en-US" sz="1600" dirty="0">
-                <a:solidFill>
-                  <a:srgbClr val="404040"/>
-                </a:solidFill>
-                <a:ea typeface="+mn-ea"/>
-                <a:hlinkClick r:id="rId10"/>
-              </a:rPr>
-              <a:t>https://drive.google.com/file/d/1MYjHq9YNxaPAni4Bin8GeEuOT68ilgZW/view?usp=sharing</a:t>
-            </a:r>
-            <a:endParaRPr lang="en-US" sz="1600" dirty="0">
-              <a:solidFill>
-                <a:srgbClr val="404040"/>
-              </a:solidFill>
-              <a:ea typeface="+mn-ea"/>
-              <a:cs typeface="+mn-cs"/>
-            </a:endParaRPr>
-          </a:p>
-          <a:p>
-            <a:pPr indent="-228600" defTabSz="914400" eaLnBrk="1" hangingPunct="1">
-              <a:lnSpc>
-                <a:spcPct val="90000"/>
-              </a:lnSpc>
-              <a:buFont typeface="Arial" panose="020B0604020202020204" pitchFamily="34" charset="0"/>
-              <a:buChar char="•"/>
-            </a:pPr>
-            <a:endParaRPr lang="en-US" sz="2000" dirty="0">
-              <a:solidFill>
-                <a:srgbClr val="404040"/>
-              </a:solidFill>
-              <a:ea typeface="+mn-ea"/>
-              <a:cs typeface="+mn-cs"/>
-            </a:endParaRPr>
-          </a:p>
-          <a:p>
-            <a:pPr indent="-228600" defTabSz="914400" eaLnBrk="1" hangingPunct="1">
-              <a:lnSpc>
-                <a:spcPct val="90000"/>
-              </a:lnSpc>
-              <a:buFont typeface="Arial" panose="020B0604020202020204" pitchFamily="34" charset="0"/>
-              <a:buChar char="•"/>
-            </a:pPr>
-            <a:endParaRPr lang="en-US" sz="2000" dirty="0">
-              <a:solidFill>
-                <a:srgbClr val="404040"/>
-              </a:solidFill>
-              <a:ea typeface="+mn-ea"/>
-              <a:cs typeface="+mn-cs"/>
-            </a:endParaRPr>
-          </a:p>
-          <a:p>
-            <a:pPr indent="-228600" defTabSz="914400" eaLnBrk="1" hangingPunct="1">
-              <a:lnSpc>
-                <a:spcPct val="90000"/>
-              </a:lnSpc>
-              <a:buFont typeface="Arial" panose="020B0604020202020204" pitchFamily="34" charset="0"/>
-              <a:buChar char="•"/>
-            </a:pPr>
-            <a:endParaRPr lang="en-US" sz="1600" dirty="0">
-              <a:solidFill>
-                <a:srgbClr val="404040"/>
-              </a:solidFill>
-              <a:ea typeface="+mn-ea"/>
-              <a:cs typeface="+mn-cs"/>
-            </a:endParaRPr>
-          </a:p>
-          <a:p>
-            <a:pPr indent="-228600" defTabSz="914400" eaLnBrk="1" hangingPunct="1">
-              <a:lnSpc>
-                <a:spcPct val="90000"/>
-              </a:lnSpc>
-              <a:buFont typeface="Arial" panose="020B0604020202020204" pitchFamily="34" charset="0"/>
-              <a:buChar char="•"/>
-            </a:pPr>
-            <a:endParaRPr lang="en-US" sz="2000" dirty="0">
-              <a:solidFill>
-                <a:srgbClr val="404040"/>
-              </a:solidFill>
-              <a:ea typeface="+mn-ea"/>
-              <a:cs typeface="+mn-cs"/>
-            </a:endParaRPr>
-          </a:p>
-          <a:p>
-            <a:pPr indent="-228600" defTabSz="914400" eaLnBrk="1" hangingPunct="1">
-              <a:lnSpc>
-                <a:spcPct val="90000"/>
-              </a:lnSpc>
-              <a:buFont typeface="Arial" panose="020B0604020202020204" pitchFamily="34" charset="0"/>
-              <a:buChar char="•"/>
-            </a:pPr>
-            <a:endParaRPr lang="en-US" sz="1600" dirty="0">
-              <a:solidFill>
-                <a:srgbClr val="404040"/>
-              </a:solidFill>
-              <a:ea typeface="+mn-ea"/>
-              <a:cs typeface="+mn-cs"/>
-            </a:endParaRPr>
-          </a:p>
-          <a:p>
-            <a:pPr indent="-228600" defTabSz="914400" eaLnBrk="1" hangingPunct="1">
-              <a:lnSpc>
-                <a:spcPct val="90000"/>
-              </a:lnSpc>
-              <a:buFont typeface="Arial" panose="020B0604020202020204" pitchFamily="34" charset="0"/>
-              <a:buChar char="•"/>
-            </a:pPr>
-            <a:endParaRPr lang="en-US" sz="2000" dirty="0">
-              <a:solidFill>
-                <a:srgbClr val="404040"/>
-              </a:solidFill>
-              <a:ea typeface="+mn-ea"/>
-              <a:cs typeface="+mn-cs"/>
-            </a:endParaRPr>
-          </a:p>
         </p:txBody>
       </p:sp>
     </p:spTree>
@@ -13000,7 +13081,7 @@
     </p:custDataLst>
     <p:extLst>
       <p:ext uri="{BB962C8B-B14F-4D97-AF65-F5344CB8AC3E}">
-        <p14:creationId xmlns:p14="http://schemas.microsoft.com/office/powerpoint/2010/main" val="2640508465"/>
+        <p14:creationId xmlns:p14="http://schemas.microsoft.com/office/powerpoint/2010/main" val="3186028904"/>
       </p:ext>
     </p:extLst>
   </p:cSld>
@@ -13143,7 +13224,7 @@
                 <a:ea typeface="+mj-ea"/>
                 <a:cs typeface="+mj-cs"/>
               </a:rPr>
-              <a:t>Closing</a:t>
+              <a:t>What Should I Do</a:t>
             </a:r>
             <a:r>
               <a:rPr lang="en-US" sz="2400" dirty="0">
@@ -13428,8 +13509,8 @@
         </p:nvSpPr>
         <p:spPr bwMode="auto">
           <a:xfrm>
-            <a:off x="3973322" y="643466"/>
-            <a:ext cx="4851400" cy="5953916"/>
+            <a:off x="3962400" y="675484"/>
+            <a:ext cx="5181600" cy="5953916"/>
           </a:xfrm>
           <a:prstGeom prst="rect">
             <a:avLst/>
@@ -13595,24 +13676,6 @@
             </a:lvl9pPr>
           </a:lstStyle>
           <a:p>
-            <a:pPr marL="114300" indent="0" defTabSz="914400" eaLnBrk="1" hangingPunct="1">
-              <a:lnSpc>
-                <a:spcPct val="90000"/>
-              </a:lnSpc>
-              <a:buNone/>
-            </a:pPr>
-            <a:r>
-              <a:rPr lang="en-US" sz="7200" dirty="0">
-                <a:solidFill>
-                  <a:srgbClr val="404040"/>
-                </a:solidFill>
-                <a:ea typeface="+mn-ea"/>
-                <a:cs typeface="+mn-cs"/>
-              </a:rPr>
-              <a:t>Disperse and Make Reasonable Decisions</a:t>
-            </a:r>
-          </a:p>
-          <a:p>
             <a:pPr indent="-228600" defTabSz="914400" eaLnBrk="1" hangingPunct="1">
               <a:lnSpc>
                 <a:spcPct val="90000"/>
@@ -13620,7 +13683,33 @@
               <a:buFont typeface="Arial" panose="020B0604020202020204" pitchFamily="34" charset="0"/>
               <a:buChar char="•"/>
             </a:pPr>
-            <a:endParaRPr lang="en-US" sz="7200" dirty="0">
+            <a:r>
+              <a:rPr lang="en-US" sz="2400" dirty="0">
+                <a:solidFill>
+                  <a:srgbClr val="404040"/>
+                </a:solidFill>
+                <a:ea typeface="+mn-ea"/>
+                <a:cs typeface="+mn-cs"/>
+                <a:hlinkClick r:id="rId4"/>
+              </a:rPr>
+              <a:t>Install R on Your Laptop</a:t>
+            </a:r>
+            <a:endParaRPr lang="en-US" sz="2400" dirty="0">
+              <a:solidFill>
+                <a:srgbClr val="404040"/>
+              </a:solidFill>
+              <a:ea typeface="+mn-ea"/>
+              <a:cs typeface="+mn-cs"/>
+            </a:endParaRPr>
+          </a:p>
+          <a:p>
+            <a:pPr marL="514350" lvl="1" indent="0" defTabSz="914400" eaLnBrk="1" hangingPunct="1">
+              <a:lnSpc>
+                <a:spcPct val="90000"/>
+              </a:lnSpc>
+              <a:buNone/>
+            </a:pPr>
+            <a:endParaRPr lang="en-US" sz="2400" dirty="0">
               <a:solidFill>
                 <a:srgbClr val="404040"/>
               </a:solidFill>
@@ -13636,12 +13725,59 @@
               <a:buFont typeface="Arial" panose="020B0604020202020204" pitchFamily="34" charset="0"/>
               <a:buChar char="•"/>
             </a:pPr>
-            <a:endParaRPr lang="en-US" sz="7200" dirty="0">
+            <a:r>
+              <a:rPr lang="en-US" sz="2400" dirty="0">
+                <a:solidFill>
+                  <a:srgbClr val="404040"/>
+                </a:solidFill>
+                <a:ea typeface="+mn-ea"/>
+                <a:cs typeface="+mn-cs"/>
+                <a:hlinkClick r:id="rId5"/>
+              </a:rPr>
+              <a:t>Install </a:t>
+            </a:r>
+            <a:r>
+              <a:rPr lang="en-US" sz="2400" dirty="0" err="1">
+                <a:solidFill>
+                  <a:srgbClr val="404040"/>
+                </a:solidFill>
+                <a:ea typeface="+mn-ea"/>
+                <a:cs typeface="+mn-cs"/>
+                <a:hlinkClick r:id="rId5"/>
+              </a:rPr>
+              <a:t>Rstudio</a:t>
+            </a:r>
+            <a:r>
+              <a:rPr lang="en-US" sz="2400" dirty="0">
+                <a:solidFill>
+                  <a:srgbClr val="404040"/>
+                </a:solidFill>
+                <a:ea typeface="+mn-ea"/>
+                <a:cs typeface="+mn-cs"/>
+                <a:hlinkClick r:id="rId5"/>
+              </a:rPr>
+              <a:t> on Your Laptop</a:t>
+            </a:r>
+            <a:endParaRPr lang="en-US" sz="2400" dirty="0">
               <a:solidFill>
                 <a:srgbClr val="404040"/>
               </a:solidFill>
               <a:ea typeface="+mn-ea"/>
               <a:cs typeface="+mn-cs"/>
+            </a:endParaRPr>
+          </a:p>
+          <a:p>
+            <a:pPr marL="514350" lvl="1" indent="0" defTabSz="914400" eaLnBrk="1" hangingPunct="1">
+              <a:lnSpc>
+                <a:spcPct val="90000"/>
+              </a:lnSpc>
+              <a:buNone/>
+            </a:pPr>
+            <a:endParaRPr lang="en-US" sz="2400" dirty="0">
+              <a:solidFill>
+                <a:srgbClr val="404040"/>
+              </a:solidFill>
+              <a:ea typeface="+mn-ea"/>
             </a:endParaRPr>
           </a:p>
           <a:p>
@@ -13652,7 +13788,103 @@
               <a:buFont typeface="Arial" panose="020B0604020202020204" pitchFamily="34" charset="0"/>
               <a:buChar char="•"/>
             </a:pPr>
-            <a:endParaRPr lang="en-US" sz="7200" dirty="0">
+            <a:r>
+              <a:rPr lang="en-US" sz="2400" dirty="0">
+                <a:solidFill>
+                  <a:srgbClr val="404040"/>
+                </a:solidFill>
+                <a:ea typeface="+mn-ea"/>
+                <a:cs typeface="+mn-cs"/>
+              </a:rPr>
+              <a:t> Download the Textbooks</a:t>
+            </a:r>
+          </a:p>
+          <a:p>
+            <a:pPr lvl="1" indent="-228600" defTabSz="914400" eaLnBrk="1" hangingPunct="1">
+              <a:lnSpc>
+                <a:spcPct val="90000"/>
+              </a:lnSpc>
+              <a:buFont typeface="Arial" panose="020B0604020202020204" pitchFamily="34" charset="0"/>
+              <a:buChar char="•"/>
+            </a:pPr>
+            <a:r>
+              <a:rPr lang="en-US" sz="2400" dirty="0">
+                <a:solidFill>
+                  <a:srgbClr val="404040"/>
+                </a:solidFill>
+                <a:ea typeface="+mn-ea"/>
+                <a:cs typeface="+mn-cs"/>
+                <a:hlinkClick r:id="rId6"/>
+              </a:rPr>
+              <a:t>R4DS</a:t>
+            </a:r>
+            <a:endParaRPr lang="en-US" sz="2400" dirty="0">
+              <a:solidFill>
+                <a:srgbClr val="404040"/>
+              </a:solidFill>
+              <a:ea typeface="+mn-ea"/>
+              <a:cs typeface="+mn-cs"/>
+            </a:endParaRPr>
+          </a:p>
+          <a:p>
+            <a:pPr lvl="1" indent="-228600" defTabSz="914400" eaLnBrk="1" hangingPunct="1">
+              <a:lnSpc>
+                <a:spcPct val="90000"/>
+              </a:lnSpc>
+              <a:buFont typeface="Arial" panose="020B0604020202020204" pitchFamily="34" charset="0"/>
+              <a:buChar char="•"/>
+            </a:pPr>
+            <a:r>
+              <a:rPr lang="en-US" sz="2400" dirty="0">
+                <a:solidFill>
+                  <a:srgbClr val="404040"/>
+                </a:solidFill>
+                <a:ea typeface="+mn-ea"/>
+                <a:hlinkClick r:id="rId7"/>
+              </a:rPr>
+              <a:t>RP4DS</a:t>
+            </a:r>
+            <a:endParaRPr lang="en-US" sz="2400" dirty="0">
+              <a:solidFill>
+                <a:srgbClr val="404040"/>
+              </a:solidFill>
+              <a:ea typeface="+mn-ea"/>
+            </a:endParaRPr>
+          </a:p>
+          <a:p>
+            <a:pPr lvl="1" indent="-228600" defTabSz="914400" eaLnBrk="1" hangingPunct="1">
+              <a:lnSpc>
+                <a:spcPct val="90000"/>
+              </a:lnSpc>
+              <a:buFont typeface="Arial" panose="020B0604020202020204" pitchFamily="34" charset="0"/>
+              <a:buChar char="•"/>
+            </a:pPr>
+            <a:r>
+              <a:rPr lang="en-US" sz="2400" dirty="0">
+                <a:solidFill>
+                  <a:srgbClr val="404040"/>
+                </a:solidFill>
+                <a:ea typeface="+mn-ea"/>
+                <a:hlinkClick r:id="rId8"/>
+              </a:rPr>
+              <a:t>AoRP</a:t>
+            </a:r>
+            <a:endParaRPr lang="en-US" sz="2400" dirty="0">
+              <a:solidFill>
+                <a:srgbClr val="404040"/>
+              </a:solidFill>
+              <a:ea typeface="+mn-ea"/>
+              <a:cs typeface="+mn-cs"/>
+            </a:endParaRPr>
+          </a:p>
+          <a:p>
+            <a:pPr marL="514350" lvl="1" indent="0" defTabSz="914400" eaLnBrk="1" hangingPunct="1">
+              <a:lnSpc>
+                <a:spcPct val="90000"/>
+              </a:lnSpc>
+              <a:buNone/>
+            </a:pPr>
+            <a:endParaRPr lang="en-US" sz="2400" dirty="0">
               <a:solidFill>
                 <a:srgbClr val="404040"/>
               </a:solidFill>
@@ -13668,7 +13900,26 @@
               <a:buFont typeface="Arial" panose="020B0604020202020204" pitchFamily="34" charset="0"/>
               <a:buChar char="•"/>
             </a:pPr>
-            <a:endParaRPr lang="en-US" sz="7200" dirty="0">
+            <a:r>
+              <a:rPr lang="en-US" sz="2400" dirty="0">
+                <a:solidFill>
+                  <a:srgbClr val="404040"/>
+                </a:solidFill>
+                <a:ea typeface="+mn-ea"/>
+                <a:cs typeface="+mn-cs"/>
+              </a:rPr>
+              <a:t>Read the Introduction to R4DS</a:t>
+            </a:r>
+          </a:p>
+          <a:p>
+            <a:pPr indent="-228600" defTabSz="914400" eaLnBrk="1" hangingPunct="1">
+              <a:lnSpc>
+                <a:spcPct val="90000"/>
+              </a:lnSpc>
+              <a:buFont typeface="Arial" panose="020B0604020202020204" pitchFamily="34" charset="0"/>
+              <a:buChar char="•"/>
+            </a:pPr>
+            <a:endParaRPr lang="en-US" sz="2400" dirty="0">
               <a:solidFill>
                 <a:srgbClr val="404040"/>
               </a:solidFill>
@@ -13676,6 +13927,41 @@
               <a:cs typeface="+mn-cs"/>
             </a:endParaRPr>
           </a:p>
+          <a:p>
+            <a:pPr indent="-228600" defTabSz="914400" eaLnBrk="1" hangingPunct="1">
+              <a:lnSpc>
+                <a:spcPct val="90000"/>
+              </a:lnSpc>
+              <a:buFont typeface="Arial" panose="020B0604020202020204" pitchFamily="34" charset="0"/>
+              <a:buChar char="•"/>
+            </a:pPr>
+            <a:r>
+              <a:rPr lang="en-US" sz="2400" dirty="0">
+                <a:solidFill>
+                  <a:srgbClr val="404040"/>
+                </a:solidFill>
+                <a:ea typeface="+mn-ea"/>
+                <a:cs typeface="+mn-cs"/>
+              </a:rPr>
+              <a:t>Practice Programming with R for 10 minutes a day in RP4DS or </a:t>
+            </a:r>
+            <a:r>
+              <a:rPr lang="en-US" sz="2400" dirty="0" err="1">
+                <a:solidFill>
+                  <a:srgbClr val="404040"/>
+                </a:solidFill>
+                <a:ea typeface="+mn-ea"/>
+              </a:rPr>
+              <a:t>AoRP</a:t>
+            </a:r>
+            <a:endParaRPr lang="en-US" sz="2000" dirty="0">
+              <a:solidFill>
+                <a:srgbClr val="404040"/>
+              </a:solidFill>
+              <a:ea typeface="+mn-ea"/>
+              <a:cs typeface="+mn-cs"/>
+            </a:endParaRPr>
+          </a:p>
         </p:txBody>
       </p:sp>
     </p:spTree>
@@ -13684,7 +13970,973 @@
     </p:custDataLst>
     <p:extLst>
       <p:ext uri="{BB962C8B-B14F-4D97-AF65-F5344CB8AC3E}">
-        <p14:creationId xmlns:p14="http://schemas.microsoft.com/office/powerpoint/2010/main" val="3647066437"/>
+        <p14:creationId xmlns:p14="http://schemas.microsoft.com/office/powerpoint/2010/main" val="2640508465"/>
+      </p:ext>
+    </p:extLst>
+  </p:cSld>
+  <p:clrMapOvr>
+    <a:masterClrMapping/>
+  </p:clrMapOvr>
+</p:sld>
+</file>
+
+<file path=ppt/slides/slide9.xml><?xml version="1.0" encoding="utf-8"?>
+<p:sld xmlns:a="http://schemas.openxmlformats.org/drawingml/2006/main" xmlns:r="http://schemas.openxmlformats.org/officeDocument/2006/relationships" xmlns:p="http://schemas.openxmlformats.org/presentationml/2006/main">
+  <p:cSld>
+    <p:bg>
+      <p:bgPr>
+        <a:solidFill>
+          <a:schemeClr val="bg1">
+            <a:lumMod val="85000"/>
+          </a:schemeClr>
+        </a:solidFill>
+        <a:effectLst/>
+      </p:bgPr>
+    </p:bg>
+    <p:spTree>
+      <p:nvGrpSpPr>
+        <p:cNvPr id="1" name=""/>
+        <p:cNvGrpSpPr/>
+        <p:nvPr/>
+      </p:nvGrpSpPr>
+      <p:grpSpPr>
+        <a:xfrm>
+          <a:off x="0" y="0"/>
+          <a:ext cx="0" cy="0"/>
+          <a:chOff x="0" y="0"/>
+          <a:chExt cx="0" cy="0"/>
+        </a:xfrm>
+      </p:grpSpPr>
+      <p:sp>
+        <p:nvSpPr>
+          <p:cNvPr id="15" name="Rectangle 12">
+            <a:extLst>
+              <a:ext uri="{FF2B5EF4-FFF2-40B4-BE49-F238E27FC236}">
+                <a16:creationId xmlns:a16="http://schemas.microsoft.com/office/drawing/2014/main" id="{867D4867-5BA7-4462-B2F6-A23F4A622AA7}"/>
+              </a:ext>
+              <a:ext uri="{C183D7F6-B498-43B3-948B-1728B52AA6E4}">
+                <adec:decorative xmlns:adec="http://schemas.microsoft.com/office/drawing/2017/decorative" val="1"/>
+              </a:ext>
+            </a:extLst>
+          </p:cNvPr>
+          <p:cNvSpPr>
+            <a:spLocks noGrp="1" noRot="1" noChangeAspect="1" noMove="1" noResize="1" noEditPoints="1" noAdjustHandles="1" noChangeArrowheads="1" noChangeShapeType="1" noTextEdit="1"/>
+          </p:cNvSpPr>
+          <p:nvPr>
+            <p:extLst>
+              <p:ext uri="{386F3935-93C4-4BCD-93E2-E3B085C9AB24}">
+                <p16:designElem xmlns:p16="http://schemas.microsoft.com/office/powerpoint/2015/main" val="1"/>
+              </p:ext>
+            </p:extLst>
+          </p:nvPr>
+        </p:nvSpPr>
+        <p:spPr>
+          <a:xfrm>
+            <a:off x="0" y="0"/>
+            <a:ext cx="3490722" cy="6858000"/>
+          </a:xfrm>
+          <a:prstGeom prst="rect">
+            <a:avLst/>
+          </a:prstGeom>
+          <a:solidFill>
+            <a:schemeClr val="tx1">
+              <a:lumMod val="75000"/>
+              <a:lumOff val="25000"/>
+            </a:schemeClr>
+          </a:solidFill>
+          <a:ln>
+            <a:noFill/>
+          </a:ln>
+        </p:spPr>
+        <p:style>
+          <a:lnRef idx="0">
+            <a:scrgbClr r="0" g="0" b="0"/>
+          </a:lnRef>
+          <a:fillRef idx="0">
+            <a:scrgbClr r="0" g="0" b="0"/>
+          </a:fillRef>
+          <a:effectRef idx="0">
+            <a:scrgbClr r="0" g="0" b="0"/>
+          </a:effectRef>
+          <a:fontRef idx="minor">
+            <a:schemeClr val="lt1"/>
+          </a:fontRef>
+        </p:style>
+        <p:txBody>
+          <a:bodyPr rtlCol="0" anchor="ctr"/>
+          <a:lstStyle/>
+          <a:p>
+            <a:pPr algn="ctr"/>
+            <a:endParaRPr lang="en-US"/>
+          </a:p>
+        </p:txBody>
+      </p:sp>
+      <p:sp>
+        <p:nvSpPr>
+          <p:cNvPr id="2" name="Title 1"/>
+          <p:cNvSpPr>
+            <a:spLocks noGrp="1"/>
+          </p:cNvSpPr>
+          <p:nvPr>
+            <p:ph type="title"/>
+          </p:nvPr>
+        </p:nvSpPr>
+        <p:spPr>
+          <a:xfrm>
+            <a:off x="482600" y="643467"/>
+            <a:ext cx="2522980" cy="1597315"/>
+          </a:xfrm>
+          <a:noFill/>
+          <a:ln w="19050">
+            <a:solidFill>
+              <a:schemeClr val="bg1"/>
+            </a:solidFill>
+          </a:ln>
+        </p:spPr>
+        <p:txBody>
+          <a:bodyPr vert="horz" wrap="square" lIns="91440" tIns="45720" rIns="91440" bIns="45720" rtlCol="0" anchor="ctr">
+            <a:normAutofit/>
+          </a:bodyPr>
+          <a:lstStyle/>
+          <a:p>
+            <a:pPr defTabSz="914400" eaLnBrk="1" hangingPunct="1">
+              <a:lnSpc>
+                <a:spcPct val="90000"/>
+              </a:lnSpc>
+            </a:pPr>
+            <a:r>
+              <a:rPr lang="en-US" sz="2400" kern="1200" dirty="0">
+                <a:solidFill>
+                  <a:schemeClr val="bg1"/>
+                </a:solidFill>
+                <a:latin typeface="+mj-lt"/>
+                <a:ea typeface="+mj-ea"/>
+                <a:cs typeface="+mj-cs"/>
+              </a:rPr>
+              <a:t>What Should I Do</a:t>
+            </a:r>
+            <a:r>
+              <a:rPr lang="en-US" sz="2400" dirty="0">
+                <a:solidFill>
+                  <a:schemeClr val="bg1"/>
+                </a:solidFill>
+                <a:ea typeface="+mj-ea"/>
+                <a:cs typeface="+mj-cs"/>
+              </a:rPr>
+              <a:t>?</a:t>
+            </a:r>
+            <a:endParaRPr lang="en-US" sz="2400" kern="1200" dirty="0">
+              <a:solidFill>
+                <a:schemeClr val="bg1"/>
+              </a:solidFill>
+              <a:latin typeface="+mj-lt"/>
+              <a:ea typeface="+mj-ea"/>
+              <a:cs typeface="+mj-cs"/>
+            </a:endParaRPr>
+          </a:p>
+        </p:txBody>
+      </p:sp>
+      <p:pic>
+        <p:nvPicPr>
+          <p:cNvPr id="8" name="Picture 7">
+            <a:extLst>
+              <a:ext uri="{FF2B5EF4-FFF2-40B4-BE49-F238E27FC236}">
+                <a16:creationId xmlns:a16="http://schemas.microsoft.com/office/drawing/2014/main" id="{521D4292-9ECC-4DA5-8CC0-C561A0DA118E}"/>
+              </a:ext>
+            </a:extLst>
+          </p:cNvPr>
+          <p:cNvPicPr>
+            <a:picLocks noChangeAspect="1"/>
+          </p:cNvPicPr>
+          <p:nvPr/>
+        </p:nvPicPr>
+        <p:blipFill rotWithShape="1">
+          <a:blip r:embed="rId3"/>
+          <a:srcRect l="8000" r="9400"/>
+          <a:stretch/>
+        </p:blipFill>
+        <p:spPr>
+          <a:xfrm>
+            <a:off x="660103" y="3048000"/>
+            <a:ext cx="2167974" cy="2624666"/>
+          </a:xfrm>
+          <a:prstGeom prst="rect">
+            <a:avLst/>
+          </a:prstGeom>
+          <a:noFill/>
+        </p:spPr>
+      </p:pic>
+      <p:sp>
+        <p:nvSpPr>
+          <p:cNvPr id="7" name="Content Placeholder 2">
+            <a:extLst>
+              <a:ext uri="{FF2B5EF4-FFF2-40B4-BE49-F238E27FC236}">
+                <a16:creationId xmlns:a16="http://schemas.microsoft.com/office/drawing/2014/main" id="{8FE51533-15BE-453E-90FE-08298901BC34}"/>
+              </a:ext>
+            </a:extLst>
+          </p:cNvPr>
+          <p:cNvSpPr txBox="1">
+            <a:spLocks/>
+          </p:cNvSpPr>
+          <p:nvPr/>
+        </p:nvSpPr>
+        <p:spPr bwMode="auto">
+          <a:xfrm>
+            <a:off x="3810000" y="643466"/>
+            <a:ext cx="4851400" cy="5833533"/>
+          </a:xfrm>
+          <a:prstGeom prst="rect">
+            <a:avLst/>
+          </a:prstGeom>
+        </p:spPr>
+        <p:txBody>
+          <a:bodyPr vert="horz" lIns="91440" tIns="45720" rIns="91440" bIns="45720" numCol="1" rtlCol="0" anchorCtr="0" compatLnSpc="1">
+            <a:prstTxWarp prst="textNoShape">
+              <a:avLst/>
+            </a:prstTxWarp>
+            <a:noAutofit/>
+          </a:bodyPr>
+          <a:lstStyle>
+            <a:lvl1pPr marL="342900" indent="-342900" algn="l" defTabSz="457200" rtl="0" eaLnBrk="0" fontAlgn="base" hangingPunct="0">
+              <a:spcBef>
+                <a:spcPct val="20000"/>
+              </a:spcBef>
+              <a:spcAft>
+                <a:spcPct val="0"/>
+              </a:spcAft>
+              <a:buFont typeface="Arial" charset="0"/>
+              <a:buChar char="•"/>
+              <a:defRPr sz="3200" kern="1200">
+                <a:solidFill>
+                  <a:schemeClr val="tx1"/>
+                </a:solidFill>
+                <a:latin typeface="+mn-lt"/>
+                <a:ea typeface="ＭＳ Ｐゴシック" pitchFamily="-109" charset="-128"/>
+                <a:cs typeface="ＭＳ Ｐゴシック" pitchFamily="-109" charset="-128"/>
+              </a:defRPr>
+            </a:lvl1pPr>
+            <a:lvl2pPr marL="742950" indent="-285750" algn="l" defTabSz="457200" rtl="0" eaLnBrk="0" fontAlgn="base" hangingPunct="0">
+              <a:spcBef>
+                <a:spcPct val="20000"/>
+              </a:spcBef>
+              <a:spcAft>
+                <a:spcPct val="0"/>
+              </a:spcAft>
+              <a:buFont typeface="Arial" charset="0"/>
+              <a:buChar char="–"/>
+              <a:defRPr sz="2800" kern="1200">
+                <a:solidFill>
+                  <a:schemeClr val="tx1"/>
+                </a:solidFill>
+                <a:latin typeface="+mn-lt"/>
+                <a:ea typeface="ＭＳ Ｐゴシック" pitchFamily="-109" charset="-128"/>
+                <a:cs typeface="+mn-cs"/>
+              </a:defRPr>
+            </a:lvl2pPr>
+            <a:lvl3pPr marL="1143000" indent="-228600" algn="l" defTabSz="457200" rtl="0" eaLnBrk="0" fontAlgn="base" hangingPunct="0">
+              <a:spcBef>
+                <a:spcPct val="20000"/>
+              </a:spcBef>
+              <a:spcAft>
+                <a:spcPct val="0"/>
+              </a:spcAft>
+              <a:buFont typeface="Arial" charset="0"/>
+              <a:buChar char="•"/>
+              <a:defRPr sz="2400" kern="1200">
+                <a:solidFill>
+                  <a:schemeClr val="tx1"/>
+                </a:solidFill>
+                <a:latin typeface="+mn-lt"/>
+                <a:ea typeface="ＭＳ Ｐゴシック" pitchFamily="-109" charset="-128"/>
+                <a:cs typeface="+mn-cs"/>
+              </a:defRPr>
+            </a:lvl3pPr>
+            <a:lvl4pPr marL="1600200" indent="-228600" algn="l" defTabSz="457200" rtl="0" eaLnBrk="0" fontAlgn="base" hangingPunct="0">
+              <a:spcBef>
+                <a:spcPct val="20000"/>
+              </a:spcBef>
+              <a:spcAft>
+                <a:spcPct val="0"/>
+              </a:spcAft>
+              <a:buFont typeface="Arial" charset="0"/>
+              <a:buChar char="–"/>
+              <a:defRPr sz="2000" kern="1200">
+                <a:solidFill>
+                  <a:schemeClr val="tx1"/>
+                </a:solidFill>
+                <a:latin typeface="+mn-lt"/>
+                <a:ea typeface="ＭＳ Ｐゴシック" pitchFamily="-109" charset="-128"/>
+                <a:cs typeface="+mn-cs"/>
+              </a:defRPr>
+            </a:lvl4pPr>
+            <a:lvl5pPr marL="2057400" indent="-228600" algn="l" defTabSz="457200" rtl="0" eaLnBrk="0" fontAlgn="base" hangingPunct="0">
+              <a:spcBef>
+                <a:spcPct val="20000"/>
+              </a:spcBef>
+              <a:spcAft>
+                <a:spcPct val="0"/>
+              </a:spcAft>
+              <a:buFont typeface="Arial" charset="0"/>
+              <a:buChar char="»"/>
+              <a:defRPr sz="2000" kern="1200">
+                <a:solidFill>
+                  <a:schemeClr val="tx1"/>
+                </a:solidFill>
+                <a:latin typeface="+mn-lt"/>
+                <a:ea typeface="ＭＳ Ｐゴシック" pitchFamily="-109" charset="-128"/>
+                <a:cs typeface="+mn-cs"/>
+              </a:defRPr>
+            </a:lvl5pPr>
+            <a:lvl6pPr marL="2514600" indent="-228600" algn="l" defTabSz="457200" rtl="0" eaLnBrk="1" latinLnBrk="0" hangingPunct="1">
+              <a:spcBef>
+                <a:spcPct val="20000"/>
+              </a:spcBef>
+              <a:buFont typeface="Arial"/>
+              <a:buChar char="•"/>
+              <a:defRPr sz="2000" kern="1200">
+                <a:solidFill>
+                  <a:schemeClr val="tx1"/>
+                </a:solidFill>
+                <a:latin typeface="+mn-lt"/>
+                <a:ea typeface="+mn-ea"/>
+                <a:cs typeface="+mn-cs"/>
+              </a:defRPr>
+            </a:lvl6pPr>
+            <a:lvl7pPr marL="2971800" indent="-228600" algn="l" defTabSz="457200" rtl="0" eaLnBrk="1" latinLnBrk="0" hangingPunct="1">
+              <a:spcBef>
+                <a:spcPct val="20000"/>
+              </a:spcBef>
+              <a:buFont typeface="Arial"/>
+              <a:buChar char="•"/>
+              <a:defRPr sz="2000" kern="1200">
+                <a:solidFill>
+                  <a:schemeClr val="tx1"/>
+                </a:solidFill>
+                <a:latin typeface="+mn-lt"/>
+                <a:ea typeface="+mn-ea"/>
+                <a:cs typeface="+mn-cs"/>
+              </a:defRPr>
+            </a:lvl7pPr>
+            <a:lvl8pPr marL="3429000" indent="-228600" algn="l" defTabSz="457200" rtl="0" eaLnBrk="1" latinLnBrk="0" hangingPunct="1">
+              <a:spcBef>
+                <a:spcPct val="20000"/>
+              </a:spcBef>
+              <a:buFont typeface="Arial"/>
+              <a:buChar char="•"/>
+              <a:defRPr sz="2000" kern="1200">
+                <a:solidFill>
+                  <a:schemeClr val="tx1"/>
+                </a:solidFill>
+                <a:latin typeface="+mn-lt"/>
+                <a:ea typeface="+mn-ea"/>
+                <a:cs typeface="+mn-cs"/>
+              </a:defRPr>
+            </a:lvl8pPr>
+            <a:lvl9pPr marL="3886200" indent="-228600" algn="l" defTabSz="457200" rtl="0" eaLnBrk="1" latinLnBrk="0" hangingPunct="1">
+              <a:spcBef>
+                <a:spcPct val="20000"/>
+              </a:spcBef>
+              <a:buFont typeface="Arial"/>
+              <a:buChar char="•"/>
+              <a:defRPr sz="2000" kern="1200">
+                <a:solidFill>
+                  <a:schemeClr val="tx1"/>
+                </a:solidFill>
+                <a:latin typeface="+mn-lt"/>
+                <a:ea typeface="+mn-ea"/>
+                <a:cs typeface="+mn-cs"/>
+              </a:defRPr>
+            </a:lvl9pPr>
+          </a:lstStyle>
+          <a:p>
+            <a:pPr indent="-228600" defTabSz="914400" eaLnBrk="1" hangingPunct="1">
+              <a:lnSpc>
+                <a:spcPct val="90000"/>
+              </a:lnSpc>
+              <a:buFont typeface="Arial" panose="020B0604020202020204" pitchFamily="34" charset="0"/>
+              <a:buChar char="•"/>
+            </a:pPr>
+            <a:endParaRPr lang="en-US" sz="2000" dirty="0">
+              <a:solidFill>
+                <a:srgbClr val="404040"/>
+              </a:solidFill>
+              <a:ea typeface="+mn-ea"/>
+              <a:cs typeface="+mn-cs"/>
+            </a:endParaRPr>
+          </a:p>
+          <a:p>
+            <a:pPr indent="-228600" defTabSz="914400" eaLnBrk="1" hangingPunct="1">
+              <a:lnSpc>
+                <a:spcPct val="90000"/>
+              </a:lnSpc>
+              <a:buFont typeface="Arial" panose="020B0604020202020204" pitchFamily="34" charset="0"/>
+              <a:buChar char="•"/>
+            </a:pPr>
+            <a:endParaRPr lang="en-US" sz="2000" dirty="0">
+              <a:solidFill>
+                <a:srgbClr val="404040"/>
+              </a:solidFill>
+              <a:ea typeface="+mn-ea"/>
+              <a:cs typeface="+mn-cs"/>
+            </a:endParaRPr>
+          </a:p>
+        </p:txBody>
+      </p:sp>
+      <p:sp>
+        <p:nvSpPr>
+          <p:cNvPr id="10" name="Content Placeholder 2">
+            <a:extLst>
+              <a:ext uri="{FF2B5EF4-FFF2-40B4-BE49-F238E27FC236}">
+                <a16:creationId xmlns:a16="http://schemas.microsoft.com/office/drawing/2014/main" id="{10754C74-871F-42E2-A79F-10B9CCA16CD5}"/>
+              </a:ext>
+            </a:extLst>
+          </p:cNvPr>
+          <p:cNvSpPr txBox="1">
+            <a:spLocks/>
+          </p:cNvSpPr>
+          <p:nvPr/>
+        </p:nvSpPr>
+        <p:spPr bwMode="auto">
+          <a:xfrm>
+            <a:off x="3962400" y="675484"/>
+            <a:ext cx="5105400" cy="5953916"/>
+          </a:xfrm>
+          <a:prstGeom prst="rect">
+            <a:avLst/>
+          </a:prstGeom>
+        </p:spPr>
+        <p:txBody>
+          <a:bodyPr vert="horz" lIns="91440" tIns="45720" rIns="91440" bIns="45720" numCol="1" rtlCol="0" anchorCtr="0" compatLnSpc="1">
+            <a:prstTxWarp prst="textNoShape">
+              <a:avLst/>
+            </a:prstTxWarp>
+            <a:noAutofit/>
+          </a:bodyPr>
+          <a:lstStyle>
+            <a:lvl1pPr marL="342900" indent="-342900" algn="l" defTabSz="457200" rtl="0" eaLnBrk="0" fontAlgn="base" hangingPunct="0">
+              <a:spcBef>
+                <a:spcPct val="20000"/>
+              </a:spcBef>
+              <a:spcAft>
+                <a:spcPct val="0"/>
+              </a:spcAft>
+              <a:buFont typeface="Arial" charset="0"/>
+              <a:buChar char="•"/>
+              <a:defRPr sz="3200" kern="1200">
+                <a:solidFill>
+                  <a:schemeClr val="tx1"/>
+                </a:solidFill>
+                <a:latin typeface="+mn-lt"/>
+                <a:ea typeface="ＭＳ Ｐゴシック" pitchFamily="-109" charset="-128"/>
+                <a:cs typeface="ＭＳ Ｐゴシック" pitchFamily="-109" charset="-128"/>
+              </a:defRPr>
+            </a:lvl1pPr>
+            <a:lvl2pPr marL="742950" indent="-285750" algn="l" defTabSz="457200" rtl="0" eaLnBrk="0" fontAlgn="base" hangingPunct="0">
+              <a:spcBef>
+                <a:spcPct val="20000"/>
+              </a:spcBef>
+              <a:spcAft>
+                <a:spcPct val="0"/>
+              </a:spcAft>
+              <a:buFont typeface="Arial" charset="0"/>
+              <a:buChar char="–"/>
+              <a:defRPr sz="2800" kern="1200">
+                <a:solidFill>
+                  <a:schemeClr val="tx1"/>
+                </a:solidFill>
+                <a:latin typeface="+mn-lt"/>
+                <a:ea typeface="ＭＳ Ｐゴシック" pitchFamily="-109" charset="-128"/>
+                <a:cs typeface="+mn-cs"/>
+              </a:defRPr>
+            </a:lvl2pPr>
+            <a:lvl3pPr marL="1143000" indent="-228600" algn="l" defTabSz="457200" rtl="0" eaLnBrk="0" fontAlgn="base" hangingPunct="0">
+              <a:spcBef>
+                <a:spcPct val="20000"/>
+              </a:spcBef>
+              <a:spcAft>
+                <a:spcPct val="0"/>
+              </a:spcAft>
+              <a:buFont typeface="Arial" charset="0"/>
+              <a:buChar char="•"/>
+              <a:defRPr sz="2400" kern="1200">
+                <a:solidFill>
+                  <a:schemeClr val="tx1"/>
+                </a:solidFill>
+                <a:latin typeface="+mn-lt"/>
+                <a:ea typeface="ＭＳ Ｐゴシック" pitchFamily="-109" charset="-128"/>
+                <a:cs typeface="+mn-cs"/>
+              </a:defRPr>
+            </a:lvl3pPr>
+            <a:lvl4pPr marL="1600200" indent="-228600" algn="l" defTabSz="457200" rtl="0" eaLnBrk="0" fontAlgn="base" hangingPunct="0">
+              <a:spcBef>
+                <a:spcPct val="20000"/>
+              </a:spcBef>
+              <a:spcAft>
+                <a:spcPct val="0"/>
+              </a:spcAft>
+              <a:buFont typeface="Arial" charset="0"/>
+              <a:buChar char="–"/>
+              <a:defRPr sz="2000" kern="1200">
+                <a:solidFill>
+                  <a:schemeClr val="tx1"/>
+                </a:solidFill>
+                <a:latin typeface="+mn-lt"/>
+                <a:ea typeface="ＭＳ Ｐゴシック" pitchFamily="-109" charset="-128"/>
+                <a:cs typeface="+mn-cs"/>
+              </a:defRPr>
+            </a:lvl4pPr>
+            <a:lvl5pPr marL="2057400" indent="-228600" algn="l" defTabSz="457200" rtl="0" eaLnBrk="0" fontAlgn="base" hangingPunct="0">
+              <a:spcBef>
+                <a:spcPct val="20000"/>
+              </a:spcBef>
+              <a:spcAft>
+                <a:spcPct val="0"/>
+              </a:spcAft>
+              <a:buFont typeface="Arial" charset="0"/>
+              <a:buChar char="»"/>
+              <a:defRPr sz="2000" kern="1200">
+                <a:solidFill>
+                  <a:schemeClr val="tx1"/>
+                </a:solidFill>
+                <a:latin typeface="+mn-lt"/>
+                <a:ea typeface="ＭＳ Ｐゴシック" pitchFamily="-109" charset="-128"/>
+                <a:cs typeface="+mn-cs"/>
+              </a:defRPr>
+            </a:lvl5pPr>
+            <a:lvl6pPr marL="2514600" indent="-228600" algn="l" defTabSz="457200" rtl="0" eaLnBrk="1" latinLnBrk="0" hangingPunct="1">
+              <a:spcBef>
+                <a:spcPct val="20000"/>
+              </a:spcBef>
+              <a:buFont typeface="Arial"/>
+              <a:buChar char="•"/>
+              <a:defRPr sz="2000" kern="1200">
+                <a:solidFill>
+                  <a:schemeClr val="tx1"/>
+                </a:solidFill>
+                <a:latin typeface="+mn-lt"/>
+                <a:ea typeface="+mn-ea"/>
+                <a:cs typeface="+mn-cs"/>
+              </a:defRPr>
+            </a:lvl6pPr>
+            <a:lvl7pPr marL="2971800" indent="-228600" algn="l" defTabSz="457200" rtl="0" eaLnBrk="1" latinLnBrk="0" hangingPunct="1">
+              <a:spcBef>
+                <a:spcPct val="20000"/>
+              </a:spcBef>
+              <a:buFont typeface="Arial"/>
+              <a:buChar char="•"/>
+              <a:defRPr sz="2000" kern="1200">
+                <a:solidFill>
+                  <a:schemeClr val="tx1"/>
+                </a:solidFill>
+                <a:latin typeface="+mn-lt"/>
+                <a:ea typeface="+mn-ea"/>
+                <a:cs typeface="+mn-cs"/>
+              </a:defRPr>
+            </a:lvl7pPr>
+            <a:lvl8pPr marL="3429000" indent="-228600" algn="l" defTabSz="457200" rtl="0" eaLnBrk="1" latinLnBrk="0" hangingPunct="1">
+              <a:spcBef>
+                <a:spcPct val="20000"/>
+              </a:spcBef>
+              <a:buFont typeface="Arial"/>
+              <a:buChar char="•"/>
+              <a:defRPr sz="2000" kern="1200">
+                <a:solidFill>
+                  <a:schemeClr val="tx1"/>
+                </a:solidFill>
+                <a:latin typeface="+mn-lt"/>
+                <a:ea typeface="+mn-ea"/>
+                <a:cs typeface="+mn-cs"/>
+              </a:defRPr>
+            </a:lvl8pPr>
+            <a:lvl9pPr marL="3886200" indent="-228600" algn="l" defTabSz="457200" rtl="0" eaLnBrk="1" latinLnBrk="0" hangingPunct="1">
+              <a:spcBef>
+                <a:spcPct val="20000"/>
+              </a:spcBef>
+              <a:buFont typeface="Arial"/>
+              <a:buChar char="•"/>
+              <a:defRPr sz="2000" kern="1200">
+                <a:solidFill>
+                  <a:schemeClr val="tx1"/>
+                </a:solidFill>
+                <a:latin typeface="+mn-lt"/>
+                <a:ea typeface="+mn-ea"/>
+                <a:cs typeface="+mn-cs"/>
+              </a:defRPr>
+            </a:lvl9pPr>
+          </a:lstStyle>
+          <a:p>
+            <a:pPr indent="-228600" defTabSz="914400" eaLnBrk="1" hangingPunct="1">
+              <a:lnSpc>
+                <a:spcPct val="90000"/>
+              </a:lnSpc>
+              <a:buFont typeface="Arial" panose="020B0604020202020204" pitchFamily="34" charset="0"/>
+              <a:buChar char="•"/>
+            </a:pPr>
+            <a:r>
+              <a:rPr lang="en-US" sz="2400" dirty="0">
+                <a:solidFill>
+                  <a:srgbClr val="404040"/>
+                </a:solidFill>
+                <a:ea typeface="+mn-ea"/>
+                <a:cs typeface="+mn-cs"/>
+              </a:rPr>
+              <a:t>Run Your First </a:t>
+            </a:r>
+            <a:r>
+              <a:rPr lang="en-US" sz="2400" dirty="0" err="1">
+                <a:solidFill>
+                  <a:srgbClr val="404040"/>
+                </a:solidFill>
+                <a:ea typeface="+mn-ea"/>
+                <a:cs typeface="+mn-cs"/>
+              </a:rPr>
+              <a:t>RMarkdown</a:t>
+            </a:r>
+            <a:r>
+              <a:rPr lang="en-US" sz="2400" dirty="0">
+                <a:solidFill>
+                  <a:srgbClr val="404040"/>
+                </a:solidFill>
+                <a:ea typeface="+mn-ea"/>
+                <a:cs typeface="+mn-cs"/>
+              </a:rPr>
+              <a:t> File</a:t>
+            </a:r>
+          </a:p>
+          <a:p>
+            <a:pPr lvl="1" indent="-228600" defTabSz="914400" eaLnBrk="1" hangingPunct="1">
+              <a:lnSpc>
+                <a:spcPct val="90000"/>
+              </a:lnSpc>
+              <a:buFont typeface="Arial" panose="020B0604020202020204" pitchFamily="34" charset="0"/>
+              <a:buChar char="•"/>
+            </a:pPr>
+            <a:r>
+              <a:rPr lang="en-US" sz="2400" dirty="0">
+                <a:solidFill>
+                  <a:srgbClr val="404040"/>
+                </a:solidFill>
+                <a:ea typeface="+mn-ea"/>
+                <a:hlinkClick r:id="rId4"/>
+              </a:rPr>
+              <a:t>Video of </a:t>
+            </a:r>
+            <a:r>
+              <a:rPr lang="en-US" sz="2400" dirty="0" err="1">
+                <a:solidFill>
+                  <a:srgbClr val="404040"/>
+                </a:solidFill>
+                <a:ea typeface="+mn-ea"/>
+                <a:hlinkClick r:id="rId4"/>
+              </a:rPr>
+              <a:t>Rmarkdown</a:t>
+            </a:r>
+            <a:endParaRPr lang="en-US" sz="2400" dirty="0">
+              <a:solidFill>
+                <a:srgbClr val="404040"/>
+              </a:solidFill>
+              <a:ea typeface="+mn-ea"/>
+            </a:endParaRPr>
+          </a:p>
+          <a:p>
+            <a:pPr lvl="1" indent="-228600" defTabSz="914400" eaLnBrk="1" hangingPunct="1">
+              <a:lnSpc>
+                <a:spcPct val="90000"/>
+              </a:lnSpc>
+              <a:buFont typeface="Arial" panose="020B0604020202020204" pitchFamily="34" charset="0"/>
+              <a:buChar char="•"/>
+            </a:pPr>
+            <a:r>
+              <a:rPr lang="en-US" sz="2400" dirty="0">
+                <a:solidFill>
+                  <a:srgbClr val="404040"/>
+                </a:solidFill>
+                <a:ea typeface="+mn-ea"/>
+              </a:rPr>
+              <a:t>First Assignment: </a:t>
+            </a:r>
+            <a:r>
+              <a:rPr lang="en-US" sz="2400" dirty="0">
+                <a:solidFill>
+                  <a:srgbClr val="404040"/>
+                </a:solidFill>
+                <a:ea typeface="+mn-ea"/>
+                <a:hlinkClick r:id="rId5"/>
+              </a:rPr>
+              <a:t>Lab 1</a:t>
+            </a:r>
+            <a:endParaRPr lang="en-US" sz="2400" dirty="0">
+              <a:solidFill>
+                <a:srgbClr val="404040"/>
+              </a:solidFill>
+              <a:ea typeface="+mn-ea"/>
+            </a:endParaRPr>
+          </a:p>
+          <a:p>
+            <a:pPr lvl="1" indent="-228600" defTabSz="914400" eaLnBrk="1" hangingPunct="1">
+              <a:lnSpc>
+                <a:spcPct val="90000"/>
+              </a:lnSpc>
+              <a:buFont typeface="Arial" panose="020B0604020202020204" pitchFamily="34" charset="0"/>
+              <a:buChar char="•"/>
+            </a:pPr>
+            <a:r>
+              <a:rPr lang="en-US" sz="2400" dirty="0">
+                <a:solidFill>
+                  <a:srgbClr val="404040"/>
+                </a:solidFill>
+                <a:ea typeface="+mn-ea"/>
+              </a:rPr>
+              <a:t>Steps:</a:t>
+            </a:r>
+          </a:p>
+          <a:p>
+            <a:pPr lvl="2" defTabSz="914400" eaLnBrk="1" hangingPunct="1">
+              <a:lnSpc>
+                <a:spcPct val="90000"/>
+              </a:lnSpc>
+              <a:buFont typeface="Arial" panose="020B0604020202020204" pitchFamily="34" charset="0"/>
+              <a:buChar char="•"/>
+            </a:pPr>
+            <a:r>
+              <a:rPr lang="en-US" dirty="0">
+                <a:solidFill>
+                  <a:srgbClr val="404040"/>
+                </a:solidFill>
+                <a:ea typeface="+mn-ea"/>
+                <a:cs typeface="+mn-cs"/>
+              </a:rPr>
+              <a:t>W</a:t>
+            </a:r>
+            <a:r>
+              <a:rPr lang="en-US" dirty="0">
+                <a:solidFill>
+                  <a:srgbClr val="404040"/>
+                </a:solidFill>
+                <a:ea typeface="+mn-ea"/>
+              </a:rPr>
+              <a:t>atch Video and Read About </a:t>
+            </a:r>
+            <a:r>
+              <a:rPr lang="en-US" dirty="0" err="1">
+                <a:solidFill>
+                  <a:srgbClr val="404040"/>
+                </a:solidFill>
+                <a:ea typeface="+mn-ea"/>
+              </a:rPr>
+              <a:t>Rmarkdown</a:t>
+            </a:r>
+            <a:endParaRPr lang="en-US" dirty="0">
+              <a:solidFill>
+                <a:srgbClr val="404040"/>
+              </a:solidFill>
+              <a:ea typeface="+mn-ea"/>
+            </a:endParaRPr>
+          </a:p>
+          <a:p>
+            <a:pPr lvl="2" defTabSz="914400" eaLnBrk="1" hangingPunct="1">
+              <a:lnSpc>
+                <a:spcPct val="90000"/>
+              </a:lnSpc>
+              <a:buFont typeface="Arial" panose="020B0604020202020204" pitchFamily="34" charset="0"/>
+              <a:buChar char="•"/>
+            </a:pPr>
+            <a:r>
+              <a:rPr lang="en-US" dirty="0">
+                <a:solidFill>
+                  <a:srgbClr val="404040"/>
+                </a:solidFill>
+                <a:ea typeface="+mn-ea"/>
+                <a:cs typeface="+mn-cs"/>
+              </a:rPr>
+              <a:t>Open </a:t>
+            </a:r>
+            <a:r>
+              <a:rPr lang="en-US" dirty="0">
+                <a:solidFill>
+                  <a:srgbClr val="404040"/>
+                </a:solidFill>
+                <a:ea typeface="+mn-ea"/>
+              </a:rPr>
+              <a:t>Lab 1 </a:t>
+            </a:r>
+            <a:r>
+              <a:rPr lang="en-US" dirty="0" err="1">
+                <a:solidFill>
+                  <a:srgbClr val="404040"/>
+                </a:solidFill>
+                <a:ea typeface="+mn-ea"/>
+              </a:rPr>
+              <a:t>Rmd</a:t>
+            </a:r>
+            <a:r>
+              <a:rPr lang="en-US" dirty="0">
+                <a:solidFill>
+                  <a:srgbClr val="404040"/>
+                </a:solidFill>
+                <a:ea typeface="+mn-ea"/>
+              </a:rPr>
+              <a:t> File in R</a:t>
+            </a:r>
+          </a:p>
+          <a:p>
+            <a:pPr lvl="2" defTabSz="914400" eaLnBrk="1" hangingPunct="1">
+              <a:lnSpc>
+                <a:spcPct val="90000"/>
+              </a:lnSpc>
+              <a:buFont typeface="Arial" panose="020B0604020202020204" pitchFamily="34" charset="0"/>
+              <a:buChar char="•"/>
+            </a:pPr>
+            <a:r>
+              <a:rPr lang="en-US" dirty="0">
+                <a:solidFill>
+                  <a:srgbClr val="404040"/>
+                </a:solidFill>
+                <a:ea typeface="+mn-ea"/>
+                <a:cs typeface="+mn-cs"/>
+              </a:rPr>
+              <a:t>Attempt to Knit the </a:t>
+            </a:r>
+            <a:r>
+              <a:rPr lang="en-US">
+                <a:solidFill>
+                  <a:srgbClr val="404040"/>
+                </a:solidFill>
+                <a:ea typeface="+mn-ea"/>
+              </a:rPr>
+              <a:t>File to an HTML File and View</a:t>
+            </a:r>
+            <a:endParaRPr lang="en-US" dirty="0">
+              <a:solidFill>
+                <a:srgbClr val="404040"/>
+              </a:solidFill>
+              <a:ea typeface="+mn-ea"/>
+            </a:endParaRPr>
+          </a:p>
+          <a:p>
+            <a:pPr lvl="2" defTabSz="914400" eaLnBrk="1" hangingPunct="1">
+              <a:lnSpc>
+                <a:spcPct val="90000"/>
+              </a:lnSpc>
+              <a:buFont typeface="Arial" panose="020B0604020202020204" pitchFamily="34" charset="0"/>
+              <a:buChar char="•"/>
+            </a:pPr>
+            <a:r>
+              <a:rPr lang="en-US" dirty="0">
+                <a:solidFill>
+                  <a:srgbClr val="404040"/>
+                </a:solidFill>
+                <a:ea typeface="+mn-ea"/>
+                <a:cs typeface="+mn-cs"/>
+              </a:rPr>
+              <a:t>Read Book and Finish </a:t>
+            </a:r>
+            <a:r>
+              <a:rPr lang="en-US" dirty="0">
+                <a:solidFill>
+                  <a:srgbClr val="404040"/>
+                </a:solidFill>
+                <a:ea typeface="+mn-ea"/>
+              </a:rPr>
+              <a:t>Lab 1</a:t>
+            </a:r>
+            <a:endParaRPr lang="en-US" dirty="0">
+              <a:solidFill>
+                <a:srgbClr val="404040"/>
+              </a:solidFill>
+              <a:ea typeface="+mn-ea"/>
+              <a:cs typeface="+mn-cs"/>
+            </a:endParaRPr>
+          </a:p>
+          <a:p>
+            <a:pPr indent="-228600" defTabSz="914400" eaLnBrk="1" hangingPunct="1">
+              <a:lnSpc>
+                <a:spcPct val="90000"/>
+              </a:lnSpc>
+              <a:buFont typeface="Arial" panose="020B0604020202020204" pitchFamily="34" charset="0"/>
+              <a:buChar char="•"/>
+            </a:pPr>
+            <a:endParaRPr lang="en-US" sz="2000" dirty="0">
+              <a:solidFill>
+                <a:srgbClr val="404040"/>
+              </a:solidFill>
+              <a:ea typeface="+mn-ea"/>
+              <a:cs typeface="+mn-cs"/>
+            </a:endParaRPr>
+          </a:p>
+          <a:p>
+            <a:pPr indent="-228600" defTabSz="914400" eaLnBrk="1" hangingPunct="1">
+              <a:lnSpc>
+                <a:spcPct val="90000"/>
+              </a:lnSpc>
+              <a:buFont typeface="Arial" panose="020B0604020202020204" pitchFamily="34" charset="0"/>
+              <a:buChar char="•"/>
+            </a:pPr>
+            <a:endParaRPr lang="en-US" sz="1600" dirty="0">
+              <a:solidFill>
+                <a:srgbClr val="404040"/>
+              </a:solidFill>
+              <a:ea typeface="+mn-ea"/>
+              <a:cs typeface="+mn-cs"/>
+            </a:endParaRPr>
+          </a:p>
+          <a:p>
+            <a:pPr indent="-228600" defTabSz="914400" eaLnBrk="1" hangingPunct="1">
+              <a:lnSpc>
+                <a:spcPct val="90000"/>
+              </a:lnSpc>
+              <a:buFont typeface="Arial" panose="020B0604020202020204" pitchFamily="34" charset="0"/>
+              <a:buChar char="•"/>
+            </a:pPr>
+            <a:endParaRPr lang="en-US" sz="2000" dirty="0">
+              <a:solidFill>
+                <a:srgbClr val="404040"/>
+              </a:solidFill>
+              <a:ea typeface="+mn-ea"/>
+              <a:cs typeface="+mn-cs"/>
+            </a:endParaRPr>
+          </a:p>
+          <a:p>
+            <a:pPr indent="-228600" defTabSz="914400" eaLnBrk="1" hangingPunct="1">
+              <a:lnSpc>
+                <a:spcPct val="90000"/>
+              </a:lnSpc>
+              <a:buFont typeface="Arial" panose="020B0604020202020204" pitchFamily="34" charset="0"/>
+              <a:buChar char="•"/>
+            </a:pPr>
+            <a:endParaRPr lang="en-US" sz="1600" dirty="0">
+              <a:solidFill>
+                <a:srgbClr val="404040"/>
+              </a:solidFill>
+              <a:ea typeface="+mn-ea"/>
+              <a:cs typeface="+mn-cs"/>
+            </a:endParaRPr>
+          </a:p>
+          <a:p>
+            <a:pPr indent="-228600" defTabSz="914400" eaLnBrk="1" hangingPunct="1">
+              <a:lnSpc>
+                <a:spcPct val="90000"/>
+              </a:lnSpc>
+              <a:buFont typeface="Arial" panose="020B0604020202020204" pitchFamily="34" charset="0"/>
+              <a:buChar char="•"/>
+            </a:pPr>
+            <a:endParaRPr lang="en-US" sz="2000" dirty="0">
+              <a:solidFill>
+                <a:srgbClr val="404040"/>
+              </a:solidFill>
+              <a:ea typeface="+mn-ea"/>
+              <a:cs typeface="+mn-cs"/>
+            </a:endParaRPr>
+          </a:p>
+        </p:txBody>
+      </p:sp>
+    </p:spTree>
+    <p:custDataLst>
+      <p:tags r:id="rId1"/>
+    </p:custDataLst>
+    <p:extLst>
+      <p:ext uri="{BB962C8B-B14F-4D97-AF65-F5344CB8AC3E}">
+        <p14:creationId xmlns:p14="http://schemas.microsoft.com/office/powerpoint/2010/main" val="3644576"/>
       </p:ext>
     </p:extLst>
   </p:cSld>
@@ -13782,6 +15034,18 @@
   <p:tag name="CUSTOMCELLBACKCOLOR1" val="-657956"/>
   <p:tag name="PRRESPONSE4" val="7"/>
   <p:tag name="ADVANCEDSETTINGSVIEW" val="True"/>
+  <p:tag name="DELIMITERS" val="3.1"/>
+</p:tagLst>
+</file>
+
+<file path=ppt/tags/tag10.xml><?xml version="1.0" encoding="utf-8"?>
+<p:tagLst xmlns:a="http://schemas.openxmlformats.org/drawingml/2006/main" xmlns:r="http://schemas.openxmlformats.org/officeDocument/2006/relationships" xmlns:p="http://schemas.openxmlformats.org/presentationml/2006/main">
+  <p:tag name="DELIMITERS" val="3.1"/>
+</p:tagLst>
+</file>
+
+<file path=ppt/tags/tag11.xml><?xml version="1.0" encoding="utf-8"?>
+<p:tagLst xmlns:a="http://schemas.openxmlformats.org/drawingml/2006/main" xmlns:r="http://schemas.openxmlformats.org/officeDocument/2006/relationships" xmlns:p="http://schemas.openxmlformats.org/presentationml/2006/main">
   <p:tag name="DELIMITERS" val="3.1"/>
 </p:tagLst>
 </file>
